--- a/presentation.pptx
+++ b/presentation.pptx
@@ -6,15 +6,26 @@
   </p:sldMasterIdLst>
   <p:sldIdLst>
     <p:sldId id="256" r:id="rId2"/>
-    <p:sldId id="257" r:id="rId3"/>
-    <p:sldId id="258" r:id="rId4"/>
-    <p:sldId id="259" r:id="rId5"/>
-    <p:sldId id="260" r:id="rId6"/>
-    <p:sldId id="264" r:id="rId7"/>
-    <p:sldId id="261" r:id="rId8"/>
-    <p:sldId id="262" r:id="rId9"/>
-    <p:sldId id="263" r:id="rId10"/>
-    <p:sldId id="265" r:id="rId11"/>
+    <p:sldId id="274" r:id="rId3"/>
+    <p:sldId id="257" r:id="rId4"/>
+    <p:sldId id="275" r:id="rId5"/>
+    <p:sldId id="258" r:id="rId6"/>
+    <p:sldId id="259" r:id="rId7"/>
+    <p:sldId id="260" r:id="rId8"/>
+    <p:sldId id="272" r:id="rId9"/>
+    <p:sldId id="264" r:id="rId10"/>
+    <p:sldId id="261" r:id="rId11"/>
+    <p:sldId id="277" r:id="rId12"/>
+    <p:sldId id="273" r:id="rId13"/>
+    <p:sldId id="276" r:id="rId14"/>
+    <p:sldId id="278" r:id="rId15"/>
+    <p:sldId id="279" r:id="rId16"/>
+    <p:sldId id="280" r:id="rId17"/>
+    <p:sldId id="262" r:id="rId18"/>
+    <p:sldId id="263" r:id="rId19"/>
+    <p:sldId id="282" r:id="rId20"/>
+    <p:sldId id="265" r:id="rId21"/>
+    <p:sldId id="281" r:id="rId22"/>
   </p:sldIdLst>
   <p:sldSz cx="9144000" cy="6858000" type="screen4x3"/>
   <p:notesSz cx="6858000" cy="9144000"/>
@@ -113,11 +124,27 @@
       </a:defRPr>
     </a:lvl9pPr>
   </p:defaultTextStyle>
+  <p:extLst>
+    <p:ext uri="{EFAFB233-063F-42B5-8137-9DF3F51BA10A}">
+      <p15:sldGuideLst xmlns:p15="http://schemas.microsoft.com/office/powerpoint/2012/main">
+        <p15:guide id="1" orient="horz" pos="2160">
+          <p15:clr>
+            <a:srgbClr val="A4A3A4"/>
+          </p15:clr>
+        </p15:guide>
+        <p15:guide id="2" pos="2880">
+          <p15:clr>
+            <a:srgbClr val="A4A3A4"/>
+          </p15:clr>
+        </p15:guide>
+      </p15:sldGuideLst>
+    </p:ext>
+  </p:extLst>
 </p:presentation>
 </file>
 
 <file path=ppt/diagrams/colors1.xml><?xml version="1.0" encoding="utf-8"?>
-<dgm:colorsDef xmlns:dgm="http://schemas.openxmlformats.org/drawingml/2006/diagram" xmlns:a="http://schemas.openxmlformats.org/drawingml/2006/main" uniqueId="urn:microsoft.com/office/officeart/2005/8/colors/colorful1">
+<dgm:colorsDef xmlns:dgm="http://schemas.openxmlformats.org/drawingml/2006/diagram" xmlns:a="http://schemas.openxmlformats.org/drawingml/2006/main" uniqueId="urn:microsoft.com/office/officeart/2005/8/colors/colorful1#1">
   <dgm:title val=""/>
   <dgm:desc val=""/>
   <dgm:catLst>
@@ -1039,7 +1066,7 @@
 <dgm:dataModel xmlns:dgm="http://schemas.openxmlformats.org/drawingml/2006/diagram" xmlns:a="http://schemas.openxmlformats.org/drawingml/2006/main">
   <dgm:ptLst>
     <dgm:pt modelId="{6BC5B2D5-F248-4910-90D6-ECF3A4083CE5}" type="doc">
-      <dgm:prSet loTypeId="urn:microsoft.com/office/officeart/2005/8/layout/cycle6" loCatId="relationship" qsTypeId="urn:microsoft.com/office/officeart/2005/8/quickstyle/3d5" qsCatId="3D" csTypeId="urn:microsoft.com/office/officeart/2005/8/colors/colorful1" csCatId="colorful" phldr="1"/>
+      <dgm:prSet loTypeId="urn:microsoft.com/office/officeart/2005/8/layout/cycle6" loCatId="relationship" qsTypeId="urn:microsoft.com/office/officeart/2005/8/quickstyle/3d5" qsCatId="3D" csTypeId="urn:microsoft.com/office/officeart/2005/8/colors/colorful1#1" csCatId="colorful" phldr="1"/>
       <dgm:spPr/>
       <dgm:t>
         <a:bodyPr/>
@@ -1057,10 +1084,9 @@
         <a:lstStyle/>
         <a:p>
           <a:r>
-            <a:rPr lang="en-US" dirty="0" smtClean="0"/>
+            <a:rPr lang="en-US" dirty="0"/>
             <a:t>Java </a:t>
           </a:r>
-          <a:endParaRPr lang="en-US" dirty="0"/>
         </a:p>
       </dgm:t>
     </dgm:pt>
@@ -1094,11 +1120,11 @@
         <a:lstStyle/>
         <a:p>
           <a:r>
-            <a:rPr lang="en-US" dirty="0" smtClean="0"/>
+            <a:rPr lang="en-US" dirty="0"/>
             <a:t>Selenium </a:t>
           </a:r>
           <a:r>
-            <a:rPr lang="en-US" dirty="0" err="1" smtClean="0"/>
+            <a:rPr lang="en-US" dirty="0" err="1"/>
             <a:t>WebDriver</a:t>
           </a:r>
           <a:endParaRPr lang="en-US" dirty="0"/>
@@ -1135,14 +1161,13 @@
         <a:lstStyle/>
         <a:p>
           <a:r>
-            <a:rPr lang="en-US" dirty="0" err="1" smtClean="0"/>
+            <a:rPr lang="en-US" dirty="0" err="1"/>
             <a:t>JUnit</a:t>
           </a:r>
           <a:r>
-            <a:rPr lang="en-US" dirty="0" smtClean="0"/>
+            <a:rPr lang="en-US" dirty="0"/>
             <a:t> Framework</a:t>
           </a:r>
-          <a:endParaRPr lang="en-US" dirty="0"/>
         </a:p>
       </dgm:t>
     </dgm:pt>
@@ -1176,7 +1201,7 @@
         <a:lstStyle/>
         <a:p>
           <a:r>
-            <a:rPr lang="en-US" dirty="0" err="1" smtClean="0"/>
+            <a:rPr lang="en-US" dirty="0" err="1"/>
             <a:t>GitHub</a:t>
           </a:r>
           <a:endParaRPr lang="en-US" dirty="0"/>
@@ -1213,7 +1238,7 @@
         <a:lstStyle/>
         <a:p>
           <a:r>
-            <a:rPr lang="en-US" dirty="0" err="1" smtClean="0"/>
+            <a:rPr lang="en-US" dirty="0" err="1"/>
             <a:t>Katalon</a:t>
           </a:r>
           <a:endParaRPr lang="en-US" dirty="0"/>
@@ -1250,7 +1275,7 @@
         <a:lstStyle/>
         <a:p>
           <a:r>
-            <a:rPr lang="en-US" dirty="0" err="1" smtClean="0"/>
+            <a:rPr lang="en-US" dirty="0" err="1"/>
             <a:t>NetBeans</a:t>
           </a:r>
           <a:endParaRPr lang="en-US" dirty="0"/>
@@ -1287,10 +1312,9 @@
         <a:lstStyle/>
         <a:p>
           <a:r>
-            <a:rPr lang="en-US" dirty="0" smtClean="0"/>
+            <a:rPr lang="en-US" dirty="0"/>
             <a:t>Jenkins</a:t>
           </a:r>
-          <a:endParaRPr lang="en-US" dirty="0"/>
         </a:p>
       </dgm:t>
     </dgm:pt>
@@ -1324,13 +1348,6 @@
         </dgm:presLayoutVars>
       </dgm:prSet>
       <dgm:spPr/>
-      <dgm:t>
-        <a:bodyPr/>
-        <a:lstStyle/>
-        <a:p>
-          <a:endParaRPr lang="en-US"/>
-        </a:p>
-      </dgm:t>
     </dgm:pt>
     <dgm:pt modelId="{C1381BEE-7925-4689-BBD4-B94087683210}" type="pres">
       <dgm:prSet presAssocID="{E86776EF-C92B-4FF2-B914-4EE0276C4F7D}" presName="node" presStyleLbl="node1" presStyleIdx="0" presStyleCnt="7">
@@ -1339,13 +1356,6 @@
         </dgm:presLayoutVars>
       </dgm:prSet>
       <dgm:spPr/>
-      <dgm:t>
-        <a:bodyPr/>
-        <a:lstStyle/>
-        <a:p>
-          <a:endParaRPr lang="en-US"/>
-        </a:p>
-      </dgm:t>
     </dgm:pt>
     <dgm:pt modelId="{D3490074-CF1F-413E-A6DF-6AEDDC17288B}" type="pres">
       <dgm:prSet presAssocID="{E86776EF-C92B-4FF2-B914-4EE0276C4F7D}" presName="spNode" presStyleCnt="0"/>
@@ -1354,13 +1364,6 @@
     <dgm:pt modelId="{1DD2FF29-E1B1-40A4-96A7-E01F1DDC5AC4}" type="pres">
       <dgm:prSet presAssocID="{37BCBF9B-4B79-465E-9DED-EA469EBAFD4B}" presName="sibTrans" presStyleLbl="sibTrans1D1" presStyleIdx="0" presStyleCnt="7"/>
       <dgm:spPr/>
-      <dgm:t>
-        <a:bodyPr/>
-        <a:lstStyle/>
-        <a:p>
-          <a:endParaRPr lang="en-US"/>
-        </a:p>
-      </dgm:t>
     </dgm:pt>
     <dgm:pt modelId="{BC132966-022A-4011-97F4-08E38CBFB6F8}" type="pres">
       <dgm:prSet presAssocID="{E6990116-4C9D-4582-A37C-4F4B85546F65}" presName="node" presStyleLbl="node1" presStyleIdx="1" presStyleCnt="7">
@@ -1369,13 +1372,6 @@
         </dgm:presLayoutVars>
       </dgm:prSet>
       <dgm:spPr/>
-      <dgm:t>
-        <a:bodyPr/>
-        <a:lstStyle/>
-        <a:p>
-          <a:endParaRPr lang="en-US"/>
-        </a:p>
-      </dgm:t>
     </dgm:pt>
     <dgm:pt modelId="{AFEAE102-B59F-4C16-B24C-6C2C530A2A91}" type="pres">
       <dgm:prSet presAssocID="{E6990116-4C9D-4582-A37C-4F4B85546F65}" presName="spNode" presStyleCnt="0"/>
@@ -1384,13 +1380,6 @@
     <dgm:pt modelId="{549631BB-1606-4BA3-97A4-D1A8ABAA541E}" type="pres">
       <dgm:prSet presAssocID="{48B9A3E1-1EE5-4ED7-A14E-AE11051F09EA}" presName="sibTrans" presStyleLbl="sibTrans1D1" presStyleIdx="1" presStyleCnt="7"/>
       <dgm:spPr/>
-      <dgm:t>
-        <a:bodyPr/>
-        <a:lstStyle/>
-        <a:p>
-          <a:endParaRPr lang="en-US"/>
-        </a:p>
-      </dgm:t>
     </dgm:pt>
     <dgm:pt modelId="{D584226E-B364-4EE9-AA3C-408E43E33BCD}" type="pres">
       <dgm:prSet presAssocID="{F9025FF7-3291-4534-B5EC-64112B003E19}" presName="node" presStyleLbl="node1" presStyleIdx="2" presStyleCnt="7">
@@ -1399,13 +1388,6 @@
         </dgm:presLayoutVars>
       </dgm:prSet>
       <dgm:spPr/>
-      <dgm:t>
-        <a:bodyPr/>
-        <a:lstStyle/>
-        <a:p>
-          <a:endParaRPr lang="en-US"/>
-        </a:p>
-      </dgm:t>
     </dgm:pt>
     <dgm:pt modelId="{DCF0550D-6D62-484A-984F-F72106490402}" type="pres">
       <dgm:prSet presAssocID="{F9025FF7-3291-4534-B5EC-64112B003E19}" presName="spNode" presStyleCnt="0"/>
@@ -1414,13 +1396,6 @@
     <dgm:pt modelId="{4F208092-B674-4395-81E9-36C28FE17AF9}" type="pres">
       <dgm:prSet presAssocID="{B79EF290-54F6-46C2-8ACA-DDAD80A2C65A}" presName="sibTrans" presStyleLbl="sibTrans1D1" presStyleIdx="2" presStyleCnt="7"/>
       <dgm:spPr/>
-      <dgm:t>
-        <a:bodyPr/>
-        <a:lstStyle/>
-        <a:p>
-          <a:endParaRPr lang="en-US"/>
-        </a:p>
-      </dgm:t>
     </dgm:pt>
     <dgm:pt modelId="{5A69F27B-F3BC-4D80-BB3D-FC39FBED371E}" type="pres">
       <dgm:prSet presAssocID="{50FA7FEC-EC39-4B66-9420-438B1215F368}" presName="node" presStyleLbl="node1" presStyleIdx="3" presStyleCnt="7">
@@ -1429,13 +1404,6 @@
         </dgm:presLayoutVars>
       </dgm:prSet>
       <dgm:spPr/>
-      <dgm:t>
-        <a:bodyPr/>
-        <a:lstStyle/>
-        <a:p>
-          <a:endParaRPr lang="en-US"/>
-        </a:p>
-      </dgm:t>
     </dgm:pt>
     <dgm:pt modelId="{41E42FF6-ABBB-4537-A0DE-D7F26762598E}" type="pres">
       <dgm:prSet presAssocID="{50FA7FEC-EC39-4B66-9420-438B1215F368}" presName="spNode" presStyleCnt="0"/>
@@ -1444,13 +1412,6 @@
     <dgm:pt modelId="{55D503D4-A8B4-42B2-AD40-AF2B3345D7C6}" type="pres">
       <dgm:prSet presAssocID="{5C476507-282A-454E-913C-D59D712A2607}" presName="sibTrans" presStyleLbl="sibTrans1D1" presStyleIdx="3" presStyleCnt="7"/>
       <dgm:spPr/>
-      <dgm:t>
-        <a:bodyPr/>
-        <a:lstStyle/>
-        <a:p>
-          <a:endParaRPr lang="en-US"/>
-        </a:p>
-      </dgm:t>
     </dgm:pt>
     <dgm:pt modelId="{C2985E13-F225-479B-9C64-1B73D6228321}" type="pres">
       <dgm:prSet presAssocID="{D160FB08-5773-4758-8616-998660704A99}" presName="node" presStyleLbl="node1" presStyleIdx="4" presStyleCnt="7">
@@ -1459,13 +1420,6 @@
         </dgm:presLayoutVars>
       </dgm:prSet>
       <dgm:spPr/>
-      <dgm:t>
-        <a:bodyPr/>
-        <a:lstStyle/>
-        <a:p>
-          <a:endParaRPr lang="en-US"/>
-        </a:p>
-      </dgm:t>
     </dgm:pt>
     <dgm:pt modelId="{695DB6B3-AA61-4823-995D-176CD401781E}" type="pres">
       <dgm:prSet presAssocID="{D160FB08-5773-4758-8616-998660704A99}" presName="spNode" presStyleCnt="0"/>
@@ -1474,13 +1428,6 @@
     <dgm:pt modelId="{7181B3E9-E1F2-41ED-AD3A-9D8C9107B8EA}" type="pres">
       <dgm:prSet presAssocID="{28B7BD05-EF11-4B0C-ADCA-C2B0F1517301}" presName="sibTrans" presStyleLbl="sibTrans1D1" presStyleIdx="4" presStyleCnt="7"/>
       <dgm:spPr/>
-      <dgm:t>
-        <a:bodyPr/>
-        <a:lstStyle/>
-        <a:p>
-          <a:endParaRPr lang="en-US"/>
-        </a:p>
-      </dgm:t>
     </dgm:pt>
     <dgm:pt modelId="{B3DD2083-EE4C-48BB-8D18-897BB9852465}" type="pres">
       <dgm:prSet presAssocID="{3B01D1CD-5F2F-47CC-B2E1-FC06D13C5B63}" presName="node" presStyleLbl="node1" presStyleIdx="5" presStyleCnt="7">
@@ -1489,13 +1436,6 @@
         </dgm:presLayoutVars>
       </dgm:prSet>
       <dgm:spPr/>
-      <dgm:t>
-        <a:bodyPr/>
-        <a:lstStyle/>
-        <a:p>
-          <a:endParaRPr lang="en-US"/>
-        </a:p>
-      </dgm:t>
     </dgm:pt>
     <dgm:pt modelId="{73C5C279-753F-4517-8F1A-0FA1BBF348F9}" type="pres">
       <dgm:prSet presAssocID="{3B01D1CD-5F2F-47CC-B2E1-FC06D13C5B63}" presName="spNode" presStyleCnt="0"/>
@@ -1504,13 +1444,6 @@
     <dgm:pt modelId="{BF1B0CB2-5F84-4F2E-BDF9-263D9FE8795A}" type="pres">
       <dgm:prSet presAssocID="{556F8CD0-4CB7-43D0-A709-DDC4BDF6D185}" presName="sibTrans" presStyleLbl="sibTrans1D1" presStyleIdx="5" presStyleCnt="7"/>
       <dgm:spPr/>
-      <dgm:t>
-        <a:bodyPr/>
-        <a:lstStyle/>
-        <a:p>
-          <a:endParaRPr lang="en-US"/>
-        </a:p>
-      </dgm:t>
     </dgm:pt>
     <dgm:pt modelId="{68B856BE-1D85-4852-BB6C-209862EEC42A}" type="pres">
       <dgm:prSet presAssocID="{C7D4E375-D058-4B1C-9F15-D2A776DD99DA}" presName="node" presStyleLbl="node1" presStyleIdx="6" presStyleCnt="7">
@@ -1519,13 +1452,6 @@
         </dgm:presLayoutVars>
       </dgm:prSet>
       <dgm:spPr/>
-      <dgm:t>
-        <a:bodyPr/>
-        <a:lstStyle/>
-        <a:p>
-          <a:endParaRPr lang="en-US"/>
-        </a:p>
-      </dgm:t>
     </dgm:pt>
     <dgm:pt modelId="{EB9A493A-55D4-4439-BA13-49417311C2FC}" type="pres">
       <dgm:prSet presAssocID="{C7D4E375-D058-4B1C-9F15-D2A776DD99DA}" presName="spNode" presStyleCnt="0"/>
@@ -1534,38 +1460,31 @@
     <dgm:pt modelId="{BF965D67-6923-4969-9EAA-E08D553CCD83}" type="pres">
       <dgm:prSet presAssocID="{1E69E192-548D-4345-9586-CEC2A303FC81}" presName="sibTrans" presStyleLbl="sibTrans1D1" presStyleIdx="6" presStyleCnt="7"/>
       <dgm:spPr/>
-      <dgm:t>
-        <a:bodyPr/>
-        <a:lstStyle/>
-        <a:p>
-          <a:endParaRPr lang="en-US"/>
-        </a:p>
-      </dgm:t>
     </dgm:pt>
   </dgm:ptLst>
   <dgm:cxnLst>
     <dgm:cxn modelId="{DB0A1A21-A3B4-4BC1-B7BA-0BA589617715}" srcId="{6BC5B2D5-F248-4910-90D6-ECF3A4083CE5}" destId="{F9025FF7-3291-4534-B5EC-64112B003E19}" srcOrd="2" destOrd="0" parTransId="{10FC2216-6794-499A-B448-C768E96E71B3}" sibTransId="{B79EF290-54F6-46C2-8ACA-DDAD80A2C65A}"/>
+    <dgm:cxn modelId="{4FCB3923-BFC6-4207-A599-32CBD7074165}" type="presOf" srcId="{B79EF290-54F6-46C2-8ACA-DDAD80A2C65A}" destId="{4F208092-B674-4395-81E9-36C28FE17AF9}" srcOrd="0" destOrd="0" presId="urn:microsoft.com/office/officeart/2005/8/layout/cycle6"/>
+    <dgm:cxn modelId="{CB1E2C2D-4828-4F03-B7A5-C6A2F944C157}" type="presOf" srcId="{37BCBF9B-4B79-465E-9DED-EA469EBAFD4B}" destId="{1DD2FF29-E1B1-40A4-96A7-E01F1DDC5AC4}" srcOrd="0" destOrd="0" presId="urn:microsoft.com/office/officeart/2005/8/layout/cycle6"/>
+    <dgm:cxn modelId="{E229AB34-770A-4675-8D5C-4BAE7FC88999}" type="presOf" srcId="{28B7BD05-EF11-4B0C-ADCA-C2B0F1517301}" destId="{7181B3E9-E1F2-41ED-AD3A-9D8C9107B8EA}" srcOrd="0" destOrd="0" presId="urn:microsoft.com/office/officeart/2005/8/layout/cycle6"/>
     <dgm:cxn modelId="{40F85540-0DD7-4009-8AD3-7198508CE3F5}" type="presOf" srcId="{50FA7FEC-EC39-4B66-9420-438B1215F368}" destId="{5A69F27B-F3BC-4D80-BB3D-FC39FBED371E}" srcOrd="0" destOrd="0" presId="urn:microsoft.com/office/officeart/2005/8/layout/cycle6"/>
+    <dgm:cxn modelId="{4C0A905B-E71F-4702-8F43-9C1718218C90}" srcId="{6BC5B2D5-F248-4910-90D6-ECF3A4083CE5}" destId="{3B01D1CD-5F2F-47CC-B2E1-FC06D13C5B63}" srcOrd="5" destOrd="0" parTransId="{9BC333AB-BB82-4AB5-AC5D-770F815589D0}" sibTransId="{556F8CD0-4CB7-43D0-A709-DDC4BDF6D185}"/>
     <dgm:cxn modelId="{BA2D8C45-769F-4B90-ABCE-261DF2276C69}" type="presOf" srcId="{D160FB08-5773-4758-8616-998660704A99}" destId="{C2985E13-F225-479B-9C64-1B73D6228321}" srcOrd="0" destOrd="0" presId="urn:microsoft.com/office/officeart/2005/8/layout/cycle6"/>
-    <dgm:cxn modelId="{E229AB34-770A-4675-8D5C-4BAE7FC88999}" type="presOf" srcId="{28B7BD05-EF11-4B0C-ADCA-C2B0F1517301}" destId="{7181B3E9-E1F2-41ED-AD3A-9D8C9107B8EA}" srcOrd="0" destOrd="0" presId="urn:microsoft.com/office/officeart/2005/8/layout/cycle6"/>
-    <dgm:cxn modelId="{A929F099-C42A-44F9-9DD5-FE81B7C6F29F}" type="presOf" srcId="{48B9A3E1-1EE5-4ED7-A14E-AE11051F09EA}" destId="{549631BB-1606-4BA3-97A4-D1A8ABAA541E}" srcOrd="0" destOrd="0" presId="urn:microsoft.com/office/officeart/2005/8/layout/cycle6"/>
-    <dgm:cxn modelId="{08E840BE-A87E-4F05-837C-E65D7B31A183}" type="presOf" srcId="{1E69E192-548D-4345-9586-CEC2A303FC81}" destId="{BF965D67-6923-4969-9EAA-E08D553CCD83}" srcOrd="0" destOrd="0" presId="urn:microsoft.com/office/officeart/2005/8/layout/cycle6"/>
-    <dgm:cxn modelId="{CB1E2C2D-4828-4F03-B7A5-C6A2F944C157}" type="presOf" srcId="{37BCBF9B-4B79-465E-9DED-EA469EBAFD4B}" destId="{1DD2FF29-E1B1-40A4-96A7-E01F1DDC5AC4}" srcOrd="0" destOrd="0" presId="urn:microsoft.com/office/officeart/2005/8/layout/cycle6"/>
     <dgm:cxn modelId="{4D995C47-3377-4090-9F22-6D3E37265590}" type="presOf" srcId="{F9025FF7-3291-4534-B5EC-64112B003E19}" destId="{D584226E-B364-4EE9-AA3C-408E43E33BCD}" srcOrd="0" destOrd="0" presId="urn:microsoft.com/office/officeart/2005/8/layout/cycle6"/>
-    <dgm:cxn modelId="{4C0A905B-E71F-4702-8F43-9C1718218C90}" srcId="{6BC5B2D5-F248-4910-90D6-ECF3A4083CE5}" destId="{3B01D1CD-5F2F-47CC-B2E1-FC06D13C5B63}" srcOrd="5" destOrd="0" parTransId="{9BC333AB-BB82-4AB5-AC5D-770F815589D0}" sibTransId="{556F8CD0-4CB7-43D0-A709-DDC4BDF6D185}"/>
-    <dgm:cxn modelId="{1B6B25F0-EBB7-493F-9747-627B6900E84D}" srcId="{6BC5B2D5-F248-4910-90D6-ECF3A4083CE5}" destId="{E6990116-4C9D-4582-A37C-4F4B85546F65}" srcOrd="1" destOrd="0" parTransId="{6090A19D-F3A6-421D-ABAC-7C558A20F7B0}" sibTransId="{48B9A3E1-1EE5-4ED7-A14E-AE11051F09EA}"/>
     <dgm:cxn modelId="{5676364E-21D4-4FF8-813D-B0845F524750}" srcId="{6BC5B2D5-F248-4910-90D6-ECF3A4083CE5}" destId="{50FA7FEC-EC39-4B66-9420-438B1215F368}" srcOrd="3" destOrd="0" parTransId="{A5DDEEE7-D0D7-49C2-8DAB-5E40EC8DC12E}" sibTransId="{5C476507-282A-454E-913C-D59D712A2607}"/>
-    <dgm:cxn modelId="{553DF9C4-0881-4EBD-9B42-02A6D232144F}" srcId="{6BC5B2D5-F248-4910-90D6-ECF3A4083CE5}" destId="{D160FB08-5773-4758-8616-998660704A99}" srcOrd="4" destOrd="0" parTransId="{77F60399-D1DB-4395-9014-1AC8B3D99762}" sibTransId="{28B7BD05-EF11-4B0C-ADCA-C2B0F1517301}"/>
-    <dgm:cxn modelId="{E1048AB3-3368-4B1D-8F53-8D8B1216F1FA}" srcId="{6BC5B2D5-F248-4910-90D6-ECF3A4083CE5}" destId="{C7D4E375-D058-4B1C-9F15-D2A776DD99DA}" srcOrd="6" destOrd="0" parTransId="{FC0C5B98-B656-426F-AC1B-785F6A37C963}" sibTransId="{1E69E192-548D-4345-9586-CEC2A303FC81}"/>
-    <dgm:cxn modelId="{4FCB3923-BFC6-4207-A599-32CBD7074165}" type="presOf" srcId="{B79EF290-54F6-46C2-8ACA-DDAD80A2C65A}" destId="{4F208092-B674-4395-81E9-36C28FE17AF9}" srcOrd="0" destOrd="0" presId="urn:microsoft.com/office/officeart/2005/8/layout/cycle6"/>
-    <dgm:cxn modelId="{E7349BF6-FF17-48E1-B03B-DD3523B86E92}" type="presOf" srcId="{556F8CD0-4CB7-43D0-A709-DDC4BDF6D185}" destId="{BF1B0CB2-5F84-4F2E-BDF9-263D9FE8795A}" srcOrd="0" destOrd="0" presId="urn:microsoft.com/office/officeart/2005/8/layout/cycle6"/>
     <dgm:cxn modelId="{BBC9AF51-E2C4-441E-88D3-E1F207DE5ADE}" type="presOf" srcId="{6BC5B2D5-F248-4910-90D6-ECF3A4083CE5}" destId="{4E1FCA81-829F-440A-B39C-C8F2B0233E79}" srcOrd="0" destOrd="0" presId="urn:microsoft.com/office/officeart/2005/8/layout/cycle6"/>
-    <dgm:cxn modelId="{F75EF9E2-15EE-45FC-8A5F-DFF388364E96}" srcId="{6BC5B2D5-F248-4910-90D6-ECF3A4083CE5}" destId="{E86776EF-C92B-4FF2-B914-4EE0276C4F7D}" srcOrd="0" destOrd="0" parTransId="{8A35842C-6893-4AA1-99BE-490B7AD563E1}" sibTransId="{37BCBF9B-4B79-465E-9DED-EA469EBAFD4B}"/>
     <dgm:cxn modelId="{A97A1D89-9ABB-4E46-B053-B19AB73864AB}" type="presOf" srcId="{E86776EF-C92B-4FF2-B914-4EE0276C4F7D}" destId="{C1381BEE-7925-4689-BBD4-B94087683210}" srcOrd="0" destOrd="0" presId="urn:microsoft.com/office/officeart/2005/8/layout/cycle6"/>
     <dgm:cxn modelId="{C082D38E-513F-4F8B-A071-4EC73551E713}" type="presOf" srcId="{C7D4E375-D058-4B1C-9F15-D2A776DD99DA}" destId="{68B856BE-1D85-4852-BB6C-209862EEC42A}" srcOrd="0" destOrd="0" presId="urn:microsoft.com/office/officeart/2005/8/layout/cycle6"/>
+    <dgm:cxn modelId="{A929F099-C42A-44F9-9DD5-FE81B7C6F29F}" type="presOf" srcId="{48B9A3E1-1EE5-4ED7-A14E-AE11051F09EA}" destId="{549631BB-1606-4BA3-97A4-D1A8ABAA541E}" srcOrd="0" destOrd="0" presId="urn:microsoft.com/office/officeart/2005/8/layout/cycle6"/>
+    <dgm:cxn modelId="{51FC8B9D-36A1-418F-99A1-1359BE2645B5}" type="presOf" srcId="{5C476507-282A-454E-913C-D59D712A2607}" destId="{55D503D4-A8B4-42B2-AD40-AF2B3345D7C6}" srcOrd="0" destOrd="0" presId="urn:microsoft.com/office/officeart/2005/8/layout/cycle6"/>
+    <dgm:cxn modelId="{E1048AB3-3368-4B1D-8F53-8D8B1216F1FA}" srcId="{6BC5B2D5-F248-4910-90D6-ECF3A4083CE5}" destId="{C7D4E375-D058-4B1C-9F15-D2A776DD99DA}" srcOrd="6" destOrd="0" parTransId="{FC0C5B98-B656-426F-AC1B-785F6A37C963}" sibTransId="{1E69E192-548D-4345-9586-CEC2A303FC81}"/>
+    <dgm:cxn modelId="{08E840BE-A87E-4F05-837C-E65D7B31A183}" type="presOf" srcId="{1E69E192-548D-4345-9586-CEC2A303FC81}" destId="{BF965D67-6923-4969-9EAA-E08D553CCD83}" srcOrd="0" destOrd="0" presId="urn:microsoft.com/office/officeart/2005/8/layout/cycle6"/>
+    <dgm:cxn modelId="{553DF9C4-0881-4EBD-9B42-02A6D232144F}" srcId="{6BC5B2D5-F248-4910-90D6-ECF3A4083CE5}" destId="{D160FB08-5773-4758-8616-998660704A99}" srcOrd="4" destOrd="0" parTransId="{77F60399-D1DB-4395-9014-1AC8B3D99762}" sibTransId="{28B7BD05-EF11-4B0C-ADCA-C2B0F1517301}"/>
+    <dgm:cxn modelId="{22D6C2DE-F76A-4821-BACE-D831AF7A2801}" type="presOf" srcId="{E6990116-4C9D-4582-A37C-4F4B85546F65}" destId="{BC132966-022A-4011-97F4-08E38CBFB6F8}" srcOrd="0" destOrd="0" presId="urn:microsoft.com/office/officeart/2005/8/layout/cycle6"/>
+    <dgm:cxn modelId="{F75EF9E2-15EE-45FC-8A5F-DFF388364E96}" srcId="{6BC5B2D5-F248-4910-90D6-ECF3A4083CE5}" destId="{E86776EF-C92B-4FF2-B914-4EE0276C4F7D}" srcOrd="0" destOrd="0" parTransId="{8A35842C-6893-4AA1-99BE-490B7AD563E1}" sibTransId="{37BCBF9B-4B79-465E-9DED-EA469EBAFD4B}"/>
+    <dgm:cxn modelId="{1B6B25F0-EBB7-493F-9747-627B6900E84D}" srcId="{6BC5B2D5-F248-4910-90D6-ECF3A4083CE5}" destId="{E6990116-4C9D-4582-A37C-4F4B85546F65}" srcOrd="1" destOrd="0" parTransId="{6090A19D-F3A6-421D-ABAC-7C558A20F7B0}" sibTransId="{48B9A3E1-1EE5-4ED7-A14E-AE11051F09EA}"/>
     <dgm:cxn modelId="{03EB51F0-191B-41DE-BE6F-3E00A46695E8}" type="presOf" srcId="{3B01D1CD-5F2F-47CC-B2E1-FC06D13C5B63}" destId="{B3DD2083-EE4C-48BB-8D18-897BB9852465}" srcOrd="0" destOrd="0" presId="urn:microsoft.com/office/officeart/2005/8/layout/cycle6"/>
-    <dgm:cxn modelId="{22D6C2DE-F76A-4821-BACE-D831AF7A2801}" type="presOf" srcId="{E6990116-4C9D-4582-A37C-4F4B85546F65}" destId="{BC132966-022A-4011-97F4-08E38CBFB6F8}" srcOrd="0" destOrd="0" presId="urn:microsoft.com/office/officeart/2005/8/layout/cycle6"/>
-    <dgm:cxn modelId="{51FC8B9D-36A1-418F-99A1-1359BE2645B5}" type="presOf" srcId="{5C476507-282A-454E-913C-D59D712A2607}" destId="{55D503D4-A8B4-42B2-AD40-AF2B3345D7C6}" srcOrd="0" destOrd="0" presId="urn:microsoft.com/office/officeart/2005/8/layout/cycle6"/>
+    <dgm:cxn modelId="{E7349BF6-FF17-48E1-B03B-DD3523B86E92}" type="presOf" srcId="{556F8CD0-4CB7-43D0-A709-DDC4BDF6D185}" destId="{BF1B0CB2-5F84-4F2E-BDF9-263D9FE8795A}" srcOrd="0" destOrd="0" presId="urn:microsoft.com/office/officeart/2005/8/layout/cycle6"/>
     <dgm:cxn modelId="{ED541FFB-E593-4212-BCEA-BEAC8EFF6FF2}" type="presParOf" srcId="{4E1FCA81-829F-440A-B39C-C8F2B0233E79}" destId="{C1381BEE-7925-4689-BBD4-B94087683210}" srcOrd="0" destOrd="0" presId="urn:microsoft.com/office/officeart/2005/8/layout/cycle6"/>
     <dgm:cxn modelId="{9A9C758D-D2E0-49B7-89A9-5439EB96638C}" type="presParOf" srcId="{4E1FCA81-829F-440A-B39C-C8F2B0233E79}" destId="{D3490074-CF1F-413E-A6DF-6AEDDC17288B}" srcOrd="1" destOrd="0" presId="urn:microsoft.com/office/officeart/2005/8/layout/cycle6"/>
     <dgm:cxn modelId="{2C352417-14C6-4C50-BAA5-3320B8BF8259}" type="presParOf" srcId="{4E1FCA81-829F-440A-B39C-C8F2B0233E79}" destId="{1DD2FF29-E1B1-40A4-96A7-E01F1DDC5AC4}" srcOrd="2" destOrd="0" presId="urn:microsoft.com/office/officeart/2005/8/layout/cycle6"/>
@@ -1590,7 +1509,925 @@
   </dgm:cxnLst>
   <dgm:bg/>
   <dgm:whole/>
+  <dgm:extLst>
+    <a:ext uri="http://schemas.microsoft.com/office/drawing/2008/diagram">
+      <dsp:dataModelExt xmlns:dsp="http://schemas.microsoft.com/office/drawing/2008/diagram" relId="rId6" minVer="http://schemas.openxmlformats.org/drawingml/2006/diagram"/>
+    </a:ext>
+  </dgm:extLst>
 </dgm:dataModel>
+</file>
+
+<file path=ppt/diagrams/drawing1.xml><?xml version="1.0" encoding="utf-8"?>
+<dsp:drawing xmlns:dgm="http://schemas.openxmlformats.org/drawingml/2006/diagram" xmlns:dsp="http://schemas.microsoft.com/office/drawing/2008/diagram" xmlns:a="http://schemas.openxmlformats.org/drawingml/2006/main">
+  <dsp:spTree>
+    <dsp:nvGrpSpPr>
+      <dsp:cNvPr id="0" name=""/>
+      <dsp:cNvGrpSpPr/>
+    </dsp:nvGrpSpPr>
+    <dsp:grpSpPr/>
+    <dsp:sp modelId="{C1381BEE-7925-4689-BBD4-B94087683210}">
+      <dsp:nvSpPr>
+        <dsp:cNvPr id="0" name=""/>
+        <dsp:cNvSpPr/>
+      </dsp:nvSpPr>
+      <dsp:spPr>
+        <a:xfrm>
+          <a:off x="2562076" y="2060"/>
+          <a:ext cx="971847" cy="631700"/>
+        </a:xfrm>
+        <a:prstGeom prst="roundRect">
+          <a:avLst/>
+        </a:prstGeom>
+        <a:solidFill>
+          <a:schemeClr val="accent2">
+            <a:hueOff val="0"/>
+            <a:satOff val="0"/>
+            <a:lumOff val="0"/>
+            <a:alphaOff val="0"/>
+          </a:schemeClr>
+        </a:solidFill>
+        <a:ln>
+          <a:noFill/>
+        </a:ln>
+        <a:effectLst/>
+        <a:sp3d extrusionH="381000" contourW="38100" prstMaterial="matte">
+          <a:contourClr>
+            <a:schemeClr val="lt1"/>
+          </a:contourClr>
+        </a:sp3d>
+      </dsp:spPr>
+      <dsp:style>
+        <a:lnRef idx="0">
+          <a:scrgbClr r="0" g="0" b="0"/>
+        </a:lnRef>
+        <a:fillRef idx="1">
+          <a:scrgbClr r="0" g="0" b="0"/>
+        </a:fillRef>
+        <a:effectRef idx="0">
+          <a:scrgbClr r="0" g="0" b="0"/>
+        </a:effectRef>
+        <a:fontRef idx="minor">
+          <a:schemeClr val="lt1"/>
+        </a:fontRef>
+      </dsp:style>
+      <dsp:txBody>
+        <a:bodyPr spcFirstLastPara="0" vert="horz" wrap="square" lIns="45720" tIns="45720" rIns="45720" bIns="45720" numCol="1" spcCol="1270" anchor="ctr" anchorCtr="0">
+          <a:noAutofit/>
+        </a:bodyPr>
+        <a:lstStyle/>
+        <a:p>
+          <a:pPr marL="0" lvl="0" indent="0" algn="ctr" defTabSz="533400">
+            <a:lnSpc>
+              <a:spcPct val="90000"/>
+            </a:lnSpc>
+            <a:spcBef>
+              <a:spcPct val="0"/>
+            </a:spcBef>
+            <a:spcAft>
+              <a:spcPct val="35000"/>
+            </a:spcAft>
+            <a:buNone/>
+          </a:pPr>
+          <a:r>
+            <a:rPr lang="en-US" sz="1200" kern="1200" dirty="0"/>
+            <a:t>Java </a:t>
+          </a:r>
+        </a:p>
+      </dsp:txBody>
+      <dsp:txXfrm>
+        <a:off x="2592913" y="32897"/>
+        <a:ext cx="910173" cy="570026"/>
+      </dsp:txXfrm>
+    </dsp:sp>
+    <dsp:sp modelId="{1DD2FF29-E1B1-40A4-96A7-E01F1DDC5AC4}">
+      <dsp:nvSpPr>
+        <dsp:cNvPr id="0" name=""/>
+        <dsp:cNvSpPr/>
+      </dsp:nvSpPr>
+      <dsp:spPr>
+        <a:xfrm>
+          <a:off x="1244615" y="317911"/>
+          <a:ext cx="3606768" cy="3606768"/>
+        </a:xfrm>
+        <a:custGeom>
+          <a:avLst/>
+          <a:gdLst/>
+          <a:ahLst/>
+          <a:cxnLst/>
+          <a:rect l="0" t="0" r="0" b="0"/>
+          <a:pathLst>
+            <a:path>
+              <a:moveTo>
+                <a:pt x="2295744" y="68513"/>
+              </a:moveTo>
+              <a:arcTo wR="1803384" hR="1803384" stAng="17150643" swAng="1256624"/>
+            </a:path>
+          </a:pathLst>
+        </a:custGeom>
+        <a:noFill/>
+        <a:ln w="12700" cap="flat" cmpd="sng" algn="ctr">
+          <a:solidFill>
+            <a:schemeClr val="accent2">
+              <a:hueOff val="0"/>
+              <a:satOff val="0"/>
+              <a:lumOff val="0"/>
+              <a:alphaOff val="0"/>
+            </a:schemeClr>
+          </a:solidFill>
+          <a:prstDash val="solid"/>
+        </a:ln>
+        <a:effectLst/>
+        <a:sp3d z="-40000" prstMaterial="matte"/>
+      </dsp:spPr>
+      <dsp:style>
+        <a:lnRef idx="1">
+          <a:scrgbClr r="0" g="0" b="0"/>
+        </a:lnRef>
+        <a:fillRef idx="0">
+          <a:scrgbClr r="0" g="0" b="0"/>
+        </a:fillRef>
+        <a:effectRef idx="0">
+          <a:scrgbClr r="0" g="0" b="0"/>
+        </a:effectRef>
+        <a:fontRef idx="minor"/>
+      </dsp:style>
+    </dsp:sp>
+    <dsp:sp modelId="{BC132966-022A-4011-97F4-08E38CBFB6F8}">
+      <dsp:nvSpPr>
+        <dsp:cNvPr id="0" name=""/>
+        <dsp:cNvSpPr/>
+      </dsp:nvSpPr>
+      <dsp:spPr>
+        <a:xfrm>
+          <a:off x="3972018" y="681053"/>
+          <a:ext cx="971847" cy="631700"/>
+        </a:xfrm>
+        <a:prstGeom prst="roundRect">
+          <a:avLst/>
+        </a:prstGeom>
+        <a:solidFill>
+          <a:schemeClr val="accent3">
+            <a:hueOff val="0"/>
+            <a:satOff val="0"/>
+            <a:lumOff val="0"/>
+            <a:alphaOff val="0"/>
+          </a:schemeClr>
+        </a:solidFill>
+        <a:ln>
+          <a:noFill/>
+        </a:ln>
+        <a:effectLst/>
+        <a:sp3d extrusionH="381000" contourW="38100" prstMaterial="matte">
+          <a:contourClr>
+            <a:schemeClr val="lt1"/>
+          </a:contourClr>
+        </a:sp3d>
+      </dsp:spPr>
+      <dsp:style>
+        <a:lnRef idx="0">
+          <a:scrgbClr r="0" g="0" b="0"/>
+        </a:lnRef>
+        <a:fillRef idx="1">
+          <a:scrgbClr r="0" g="0" b="0"/>
+        </a:fillRef>
+        <a:effectRef idx="0">
+          <a:scrgbClr r="0" g="0" b="0"/>
+        </a:effectRef>
+        <a:fontRef idx="minor">
+          <a:schemeClr val="lt1"/>
+        </a:fontRef>
+      </dsp:style>
+      <dsp:txBody>
+        <a:bodyPr spcFirstLastPara="0" vert="horz" wrap="square" lIns="45720" tIns="45720" rIns="45720" bIns="45720" numCol="1" spcCol="1270" anchor="ctr" anchorCtr="0">
+          <a:noAutofit/>
+        </a:bodyPr>
+        <a:lstStyle/>
+        <a:p>
+          <a:pPr marL="0" lvl="0" indent="0" algn="ctr" defTabSz="533400">
+            <a:lnSpc>
+              <a:spcPct val="90000"/>
+            </a:lnSpc>
+            <a:spcBef>
+              <a:spcPct val="0"/>
+            </a:spcBef>
+            <a:spcAft>
+              <a:spcPct val="35000"/>
+            </a:spcAft>
+            <a:buNone/>
+          </a:pPr>
+          <a:r>
+            <a:rPr lang="en-US" sz="1200" kern="1200" dirty="0"/>
+            <a:t>Selenium </a:t>
+          </a:r>
+          <a:r>
+            <a:rPr lang="en-US" sz="1200" kern="1200" dirty="0" err="1"/>
+            <a:t>WebDriver</a:t>
+          </a:r>
+          <a:endParaRPr lang="en-US" sz="1200" kern="1200" dirty="0"/>
+        </a:p>
+      </dsp:txBody>
+      <dsp:txXfrm>
+        <a:off x="4002855" y="711890"/>
+        <a:ext cx="910173" cy="570026"/>
+      </dsp:txXfrm>
+    </dsp:sp>
+    <dsp:sp modelId="{549631BB-1606-4BA3-97A4-D1A8ABAA541E}">
+      <dsp:nvSpPr>
+        <dsp:cNvPr id="0" name=""/>
+        <dsp:cNvSpPr/>
+      </dsp:nvSpPr>
+      <dsp:spPr>
+        <a:xfrm>
+          <a:off x="1244615" y="317911"/>
+          <a:ext cx="3606768" cy="3606768"/>
+        </a:xfrm>
+        <a:custGeom>
+          <a:avLst/>
+          <a:gdLst/>
+          <a:ahLst/>
+          <a:cxnLst/>
+          <a:rect l="0" t="0" r="0" b="0"/>
+          <a:pathLst>
+            <a:path>
+              <a:moveTo>
+                <a:pt x="3419433" y="1003021"/>
+              </a:moveTo>
+              <a:arcTo wR="1803384" hR="1803384" stAng="20019161" swAng="1726353"/>
+            </a:path>
+          </a:pathLst>
+        </a:custGeom>
+        <a:noFill/>
+        <a:ln w="12700" cap="flat" cmpd="sng" algn="ctr">
+          <a:solidFill>
+            <a:schemeClr val="accent3">
+              <a:hueOff val="0"/>
+              <a:satOff val="0"/>
+              <a:lumOff val="0"/>
+              <a:alphaOff val="0"/>
+            </a:schemeClr>
+          </a:solidFill>
+          <a:prstDash val="solid"/>
+        </a:ln>
+        <a:effectLst/>
+        <a:sp3d z="-40000" prstMaterial="matte"/>
+      </dsp:spPr>
+      <dsp:style>
+        <a:lnRef idx="1">
+          <a:scrgbClr r="0" g="0" b="0"/>
+        </a:lnRef>
+        <a:fillRef idx="0">
+          <a:scrgbClr r="0" g="0" b="0"/>
+        </a:fillRef>
+        <a:effectRef idx="0">
+          <a:scrgbClr r="0" g="0" b="0"/>
+        </a:effectRef>
+        <a:fontRef idx="minor"/>
+      </dsp:style>
+    </dsp:sp>
+    <dsp:sp modelId="{D584226E-B364-4EE9-AA3C-408E43E33BCD}">
+      <dsp:nvSpPr>
+        <dsp:cNvPr id="0" name=""/>
+        <dsp:cNvSpPr/>
+      </dsp:nvSpPr>
+      <dsp:spPr>
+        <a:xfrm>
+          <a:off x="4320245" y="2206735"/>
+          <a:ext cx="971847" cy="631700"/>
+        </a:xfrm>
+        <a:prstGeom prst="roundRect">
+          <a:avLst/>
+        </a:prstGeom>
+        <a:solidFill>
+          <a:schemeClr val="accent4">
+            <a:hueOff val="0"/>
+            <a:satOff val="0"/>
+            <a:lumOff val="0"/>
+            <a:alphaOff val="0"/>
+          </a:schemeClr>
+        </a:solidFill>
+        <a:ln>
+          <a:noFill/>
+        </a:ln>
+        <a:effectLst/>
+        <a:sp3d extrusionH="381000" contourW="38100" prstMaterial="matte">
+          <a:contourClr>
+            <a:schemeClr val="lt1"/>
+          </a:contourClr>
+        </a:sp3d>
+      </dsp:spPr>
+      <dsp:style>
+        <a:lnRef idx="0">
+          <a:scrgbClr r="0" g="0" b="0"/>
+        </a:lnRef>
+        <a:fillRef idx="1">
+          <a:scrgbClr r="0" g="0" b="0"/>
+        </a:fillRef>
+        <a:effectRef idx="0">
+          <a:scrgbClr r="0" g="0" b="0"/>
+        </a:effectRef>
+        <a:fontRef idx="minor">
+          <a:schemeClr val="lt1"/>
+        </a:fontRef>
+      </dsp:style>
+      <dsp:txBody>
+        <a:bodyPr spcFirstLastPara="0" vert="horz" wrap="square" lIns="45720" tIns="45720" rIns="45720" bIns="45720" numCol="1" spcCol="1270" anchor="ctr" anchorCtr="0">
+          <a:noAutofit/>
+        </a:bodyPr>
+        <a:lstStyle/>
+        <a:p>
+          <a:pPr marL="0" lvl="0" indent="0" algn="ctr" defTabSz="533400">
+            <a:lnSpc>
+              <a:spcPct val="90000"/>
+            </a:lnSpc>
+            <a:spcBef>
+              <a:spcPct val="0"/>
+            </a:spcBef>
+            <a:spcAft>
+              <a:spcPct val="35000"/>
+            </a:spcAft>
+            <a:buNone/>
+          </a:pPr>
+          <a:r>
+            <a:rPr lang="en-US" sz="1200" kern="1200" dirty="0" err="1"/>
+            <a:t>Katalon</a:t>
+          </a:r>
+          <a:endParaRPr lang="en-US" sz="1200" kern="1200" dirty="0"/>
+        </a:p>
+      </dsp:txBody>
+      <dsp:txXfrm>
+        <a:off x="4351082" y="2237572"/>
+        <a:ext cx="910173" cy="570026"/>
+      </dsp:txXfrm>
+    </dsp:sp>
+    <dsp:sp modelId="{4F208092-B674-4395-81E9-36C28FE17AF9}">
+      <dsp:nvSpPr>
+        <dsp:cNvPr id="0" name=""/>
+        <dsp:cNvSpPr/>
+      </dsp:nvSpPr>
+      <dsp:spPr>
+        <a:xfrm>
+          <a:off x="1244615" y="317911"/>
+          <a:ext cx="3606768" cy="3606768"/>
+        </a:xfrm>
+        <a:custGeom>
+          <a:avLst/>
+          <a:gdLst/>
+          <a:ahLst/>
+          <a:cxnLst/>
+          <a:rect l="0" t="0" r="0" b="0"/>
+          <a:pathLst>
+            <a:path>
+              <a:moveTo>
+                <a:pt x="3455159" y="2527147"/>
+              </a:moveTo>
+              <a:arcTo wR="1803384" hR="1803384" stAng="1419703" swAng="1358782"/>
+            </a:path>
+          </a:pathLst>
+        </a:custGeom>
+        <a:noFill/>
+        <a:ln w="12700" cap="flat" cmpd="sng" algn="ctr">
+          <a:solidFill>
+            <a:schemeClr val="accent4">
+              <a:hueOff val="0"/>
+              <a:satOff val="0"/>
+              <a:lumOff val="0"/>
+              <a:alphaOff val="0"/>
+            </a:schemeClr>
+          </a:solidFill>
+          <a:prstDash val="solid"/>
+        </a:ln>
+        <a:effectLst/>
+        <a:sp3d z="-40000" prstMaterial="matte"/>
+      </dsp:spPr>
+      <dsp:style>
+        <a:lnRef idx="1">
+          <a:scrgbClr r="0" g="0" b="0"/>
+        </a:lnRef>
+        <a:fillRef idx="0">
+          <a:scrgbClr r="0" g="0" b="0"/>
+        </a:fillRef>
+        <a:effectRef idx="0">
+          <a:scrgbClr r="0" g="0" b="0"/>
+        </a:effectRef>
+        <a:fontRef idx="minor"/>
+      </dsp:style>
+    </dsp:sp>
+    <dsp:sp modelId="{5A69F27B-F3BC-4D80-BB3D-FC39FBED371E}">
+      <dsp:nvSpPr>
+        <dsp:cNvPr id="0" name=""/>
+        <dsp:cNvSpPr/>
+      </dsp:nvSpPr>
+      <dsp:spPr>
+        <a:xfrm>
+          <a:off x="3344535" y="3430238"/>
+          <a:ext cx="971847" cy="631700"/>
+        </a:xfrm>
+        <a:prstGeom prst="roundRect">
+          <a:avLst/>
+        </a:prstGeom>
+        <a:solidFill>
+          <a:schemeClr val="accent5">
+            <a:hueOff val="0"/>
+            <a:satOff val="0"/>
+            <a:lumOff val="0"/>
+            <a:alphaOff val="0"/>
+          </a:schemeClr>
+        </a:solidFill>
+        <a:ln>
+          <a:noFill/>
+        </a:ln>
+        <a:effectLst/>
+        <a:sp3d extrusionH="381000" contourW="38100" prstMaterial="matte">
+          <a:contourClr>
+            <a:schemeClr val="lt1"/>
+          </a:contourClr>
+        </a:sp3d>
+      </dsp:spPr>
+      <dsp:style>
+        <a:lnRef idx="0">
+          <a:scrgbClr r="0" g="0" b="0"/>
+        </a:lnRef>
+        <a:fillRef idx="1">
+          <a:scrgbClr r="0" g="0" b="0"/>
+        </a:fillRef>
+        <a:effectRef idx="0">
+          <a:scrgbClr r="0" g="0" b="0"/>
+        </a:effectRef>
+        <a:fontRef idx="minor">
+          <a:schemeClr val="lt1"/>
+        </a:fontRef>
+      </dsp:style>
+      <dsp:txBody>
+        <a:bodyPr spcFirstLastPara="0" vert="horz" wrap="square" lIns="45720" tIns="45720" rIns="45720" bIns="45720" numCol="1" spcCol="1270" anchor="ctr" anchorCtr="0">
+          <a:noAutofit/>
+        </a:bodyPr>
+        <a:lstStyle/>
+        <a:p>
+          <a:pPr marL="0" lvl="0" indent="0" algn="ctr" defTabSz="533400">
+            <a:lnSpc>
+              <a:spcPct val="90000"/>
+            </a:lnSpc>
+            <a:spcBef>
+              <a:spcPct val="0"/>
+            </a:spcBef>
+            <a:spcAft>
+              <a:spcPct val="35000"/>
+            </a:spcAft>
+            <a:buNone/>
+          </a:pPr>
+          <a:r>
+            <a:rPr lang="en-US" sz="1200" kern="1200" dirty="0" err="1"/>
+            <a:t>NetBeans</a:t>
+          </a:r>
+          <a:endParaRPr lang="en-US" sz="1200" kern="1200" dirty="0"/>
+        </a:p>
+      </dsp:txBody>
+      <dsp:txXfrm>
+        <a:off x="3375372" y="3461075"/>
+        <a:ext cx="910173" cy="570026"/>
+      </dsp:txXfrm>
+    </dsp:sp>
+    <dsp:sp modelId="{55D503D4-A8B4-42B2-AD40-AF2B3345D7C6}">
+      <dsp:nvSpPr>
+        <dsp:cNvPr id="0" name=""/>
+        <dsp:cNvSpPr/>
+      </dsp:nvSpPr>
+      <dsp:spPr>
+        <a:xfrm>
+          <a:off x="1244615" y="317911"/>
+          <a:ext cx="3606768" cy="3606768"/>
+        </a:xfrm>
+        <a:custGeom>
+          <a:avLst/>
+          <a:gdLst/>
+          <a:ahLst/>
+          <a:cxnLst/>
+          <a:rect l="0" t="0" r="0" b="0"/>
+          <a:pathLst>
+            <a:path>
+              <a:moveTo>
+                <a:pt x="2094067" y="3583186"/>
+              </a:moveTo>
+              <a:arcTo wR="1803384" hR="1803384" stAng="4843449" swAng="1113102"/>
+            </a:path>
+          </a:pathLst>
+        </a:custGeom>
+        <a:noFill/>
+        <a:ln w="12700" cap="flat" cmpd="sng" algn="ctr">
+          <a:solidFill>
+            <a:schemeClr val="accent5">
+              <a:hueOff val="0"/>
+              <a:satOff val="0"/>
+              <a:lumOff val="0"/>
+              <a:alphaOff val="0"/>
+            </a:schemeClr>
+          </a:solidFill>
+          <a:prstDash val="solid"/>
+        </a:ln>
+        <a:effectLst/>
+        <a:sp3d z="-40000" prstMaterial="matte"/>
+      </dsp:spPr>
+      <dsp:style>
+        <a:lnRef idx="1">
+          <a:scrgbClr r="0" g="0" b="0"/>
+        </a:lnRef>
+        <a:fillRef idx="0">
+          <a:scrgbClr r="0" g="0" b="0"/>
+        </a:fillRef>
+        <a:effectRef idx="0">
+          <a:scrgbClr r="0" g="0" b="0"/>
+        </a:effectRef>
+        <a:fontRef idx="minor"/>
+      </dsp:style>
+    </dsp:sp>
+    <dsp:sp modelId="{C2985E13-F225-479B-9C64-1B73D6228321}">
+      <dsp:nvSpPr>
+        <dsp:cNvPr id="0" name=""/>
+        <dsp:cNvSpPr/>
+      </dsp:nvSpPr>
+      <dsp:spPr>
+        <a:xfrm>
+          <a:off x="1779617" y="3430238"/>
+          <a:ext cx="971847" cy="631700"/>
+        </a:xfrm>
+        <a:prstGeom prst="roundRect">
+          <a:avLst/>
+        </a:prstGeom>
+        <a:solidFill>
+          <a:schemeClr val="accent6">
+            <a:hueOff val="0"/>
+            <a:satOff val="0"/>
+            <a:lumOff val="0"/>
+            <a:alphaOff val="0"/>
+          </a:schemeClr>
+        </a:solidFill>
+        <a:ln>
+          <a:noFill/>
+        </a:ln>
+        <a:effectLst/>
+        <a:sp3d extrusionH="381000" contourW="38100" prstMaterial="matte">
+          <a:contourClr>
+            <a:schemeClr val="lt1"/>
+          </a:contourClr>
+        </a:sp3d>
+      </dsp:spPr>
+      <dsp:style>
+        <a:lnRef idx="0">
+          <a:scrgbClr r="0" g="0" b="0"/>
+        </a:lnRef>
+        <a:fillRef idx="1">
+          <a:scrgbClr r="0" g="0" b="0"/>
+        </a:fillRef>
+        <a:effectRef idx="0">
+          <a:scrgbClr r="0" g="0" b="0"/>
+        </a:effectRef>
+        <a:fontRef idx="minor">
+          <a:schemeClr val="lt1"/>
+        </a:fontRef>
+      </dsp:style>
+      <dsp:txBody>
+        <a:bodyPr spcFirstLastPara="0" vert="horz" wrap="square" lIns="45720" tIns="45720" rIns="45720" bIns="45720" numCol="1" spcCol="1270" anchor="ctr" anchorCtr="0">
+          <a:noAutofit/>
+        </a:bodyPr>
+        <a:lstStyle/>
+        <a:p>
+          <a:pPr marL="0" lvl="0" indent="0" algn="ctr" defTabSz="533400">
+            <a:lnSpc>
+              <a:spcPct val="90000"/>
+            </a:lnSpc>
+            <a:spcBef>
+              <a:spcPct val="0"/>
+            </a:spcBef>
+            <a:spcAft>
+              <a:spcPct val="35000"/>
+            </a:spcAft>
+            <a:buNone/>
+          </a:pPr>
+          <a:r>
+            <a:rPr lang="en-US" sz="1200" kern="1200" dirty="0" err="1"/>
+            <a:t>JUnit</a:t>
+          </a:r>
+          <a:r>
+            <a:rPr lang="en-US" sz="1200" kern="1200" dirty="0"/>
+            <a:t> Framework</a:t>
+          </a:r>
+        </a:p>
+      </dsp:txBody>
+      <dsp:txXfrm>
+        <a:off x="1810454" y="3461075"/>
+        <a:ext cx="910173" cy="570026"/>
+      </dsp:txXfrm>
+    </dsp:sp>
+    <dsp:sp modelId="{7181B3E9-E1F2-41ED-AD3A-9D8C9107B8EA}">
+      <dsp:nvSpPr>
+        <dsp:cNvPr id="0" name=""/>
+        <dsp:cNvSpPr/>
+      </dsp:nvSpPr>
+      <dsp:spPr>
+        <a:xfrm>
+          <a:off x="1244615" y="317911"/>
+          <a:ext cx="3606768" cy="3606768"/>
+        </a:xfrm>
+        <a:custGeom>
+          <a:avLst/>
+          <a:gdLst/>
+          <a:ahLst/>
+          <a:cxnLst/>
+          <a:rect l="0" t="0" r="0" b="0"/>
+          <a:pathLst>
+            <a:path>
+              <a:moveTo>
+                <a:pt x="557641" y="3107347"/>
+              </a:moveTo>
+              <a:arcTo wR="1803384" hR="1803384" stAng="8021515" swAng="1358782"/>
+            </a:path>
+          </a:pathLst>
+        </a:custGeom>
+        <a:noFill/>
+        <a:ln w="12700" cap="flat" cmpd="sng" algn="ctr">
+          <a:solidFill>
+            <a:schemeClr val="accent6">
+              <a:hueOff val="0"/>
+              <a:satOff val="0"/>
+              <a:lumOff val="0"/>
+              <a:alphaOff val="0"/>
+            </a:schemeClr>
+          </a:solidFill>
+          <a:prstDash val="solid"/>
+        </a:ln>
+        <a:effectLst/>
+        <a:sp3d z="-40000" prstMaterial="matte"/>
+      </dsp:spPr>
+      <dsp:style>
+        <a:lnRef idx="1">
+          <a:scrgbClr r="0" g="0" b="0"/>
+        </a:lnRef>
+        <a:fillRef idx="0">
+          <a:scrgbClr r="0" g="0" b="0"/>
+        </a:fillRef>
+        <a:effectRef idx="0">
+          <a:scrgbClr r="0" g="0" b="0"/>
+        </a:effectRef>
+        <a:fontRef idx="minor"/>
+      </dsp:style>
+    </dsp:sp>
+    <dsp:sp modelId="{B3DD2083-EE4C-48BB-8D18-897BB9852465}">
+      <dsp:nvSpPr>
+        <dsp:cNvPr id="0" name=""/>
+        <dsp:cNvSpPr/>
+      </dsp:nvSpPr>
+      <dsp:spPr>
+        <a:xfrm>
+          <a:off x="803906" y="2206735"/>
+          <a:ext cx="971847" cy="631700"/>
+        </a:xfrm>
+        <a:prstGeom prst="roundRect">
+          <a:avLst/>
+        </a:prstGeom>
+        <a:solidFill>
+          <a:schemeClr val="accent2">
+            <a:hueOff val="0"/>
+            <a:satOff val="0"/>
+            <a:lumOff val="0"/>
+            <a:alphaOff val="0"/>
+          </a:schemeClr>
+        </a:solidFill>
+        <a:ln>
+          <a:noFill/>
+        </a:ln>
+        <a:effectLst/>
+        <a:sp3d extrusionH="381000" contourW="38100" prstMaterial="matte">
+          <a:contourClr>
+            <a:schemeClr val="lt1"/>
+          </a:contourClr>
+        </a:sp3d>
+      </dsp:spPr>
+      <dsp:style>
+        <a:lnRef idx="0">
+          <a:scrgbClr r="0" g="0" b="0"/>
+        </a:lnRef>
+        <a:fillRef idx="1">
+          <a:scrgbClr r="0" g="0" b="0"/>
+        </a:fillRef>
+        <a:effectRef idx="0">
+          <a:scrgbClr r="0" g="0" b="0"/>
+        </a:effectRef>
+        <a:fontRef idx="minor">
+          <a:schemeClr val="lt1"/>
+        </a:fontRef>
+      </dsp:style>
+      <dsp:txBody>
+        <a:bodyPr spcFirstLastPara="0" vert="horz" wrap="square" lIns="45720" tIns="45720" rIns="45720" bIns="45720" numCol="1" spcCol="1270" anchor="ctr" anchorCtr="0">
+          <a:noAutofit/>
+        </a:bodyPr>
+        <a:lstStyle/>
+        <a:p>
+          <a:pPr marL="0" lvl="0" indent="0" algn="ctr" defTabSz="533400">
+            <a:lnSpc>
+              <a:spcPct val="90000"/>
+            </a:lnSpc>
+            <a:spcBef>
+              <a:spcPct val="0"/>
+            </a:spcBef>
+            <a:spcAft>
+              <a:spcPct val="35000"/>
+            </a:spcAft>
+            <a:buNone/>
+          </a:pPr>
+          <a:r>
+            <a:rPr lang="en-US" sz="1200" kern="1200" dirty="0" err="1"/>
+            <a:t>GitHub</a:t>
+          </a:r>
+          <a:endParaRPr lang="en-US" sz="1200" kern="1200" dirty="0"/>
+        </a:p>
+      </dsp:txBody>
+      <dsp:txXfrm>
+        <a:off x="834743" y="2237572"/>
+        <a:ext cx="910173" cy="570026"/>
+      </dsp:txXfrm>
+    </dsp:sp>
+    <dsp:sp modelId="{BF1B0CB2-5F84-4F2E-BDF9-263D9FE8795A}">
+      <dsp:nvSpPr>
+        <dsp:cNvPr id="0" name=""/>
+        <dsp:cNvSpPr/>
+      </dsp:nvSpPr>
+      <dsp:spPr>
+        <a:xfrm>
+          <a:off x="1244615" y="317911"/>
+          <a:ext cx="3606768" cy="3606768"/>
+        </a:xfrm>
+        <a:custGeom>
+          <a:avLst/>
+          <a:gdLst/>
+          <a:ahLst/>
+          <a:cxnLst/>
+          <a:rect l="0" t="0" r="0" b="0"/>
+          <a:pathLst>
+            <a:path>
+              <a:moveTo>
+                <a:pt x="1615" y="1879695"/>
+              </a:moveTo>
+              <a:arcTo wR="1803384" hR="1803384" stAng="10654486" swAng="1726353"/>
+            </a:path>
+          </a:pathLst>
+        </a:custGeom>
+        <a:noFill/>
+        <a:ln w="12700" cap="flat" cmpd="sng" algn="ctr">
+          <a:solidFill>
+            <a:schemeClr val="accent2">
+              <a:hueOff val="0"/>
+              <a:satOff val="0"/>
+              <a:lumOff val="0"/>
+              <a:alphaOff val="0"/>
+            </a:schemeClr>
+          </a:solidFill>
+          <a:prstDash val="solid"/>
+        </a:ln>
+        <a:effectLst/>
+        <a:sp3d z="-40000" prstMaterial="matte"/>
+      </dsp:spPr>
+      <dsp:style>
+        <a:lnRef idx="1">
+          <a:scrgbClr r="0" g="0" b="0"/>
+        </a:lnRef>
+        <a:fillRef idx="0">
+          <a:scrgbClr r="0" g="0" b="0"/>
+        </a:fillRef>
+        <a:effectRef idx="0">
+          <a:scrgbClr r="0" g="0" b="0"/>
+        </a:effectRef>
+        <a:fontRef idx="minor"/>
+      </dsp:style>
+    </dsp:sp>
+    <dsp:sp modelId="{68B856BE-1D85-4852-BB6C-209862EEC42A}">
+      <dsp:nvSpPr>
+        <dsp:cNvPr id="0" name=""/>
+        <dsp:cNvSpPr/>
+      </dsp:nvSpPr>
+      <dsp:spPr>
+        <a:xfrm>
+          <a:off x="1152133" y="681053"/>
+          <a:ext cx="971847" cy="631700"/>
+        </a:xfrm>
+        <a:prstGeom prst="roundRect">
+          <a:avLst/>
+        </a:prstGeom>
+        <a:solidFill>
+          <a:schemeClr val="accent3">
+            <a:hueOff val="0"/>
+            <a:satOff val="0"/>
+            <a:lumOff val="0"/>
+            <a:alphaOff val="0"/>
+          </a:schemeClr>
+        </a:solidFill>
+        <a:ln>
+          <a:noFill/>
+        </a:ln>
+        <a:effectLst/>
+        <a:sp3d extrusionH="381000" contourW="38100" prstMaterial="matte">
+          <a:contourClr>
+            <a:schemeClr val="lt1"/>
+          </a:contourClr>
+        </a:sp3d>
+      </dsp:spPr>
+      <dsp:style>
+        <a:lnRef idx="0">
+          <a:scrgbClr r="0" g="0" b="0"/>
+        </a:lnRef>
+        <a:fillRef idx="1">
+          <a:scrgbClr r="0" g="0" b="0"/>
+        </a:fillRef>
+        <a:effectRef idx="0">
+          <a:scrgbClr r="0" g="0" b="0"/>
+        </a:effectRef>
+        <a:fontRef idx="minor">
+          <a:schemeClr val="lt1"/>
+        </a:fontRef>
+      </dsp:style>
+      <dsp:txBody>
+        <a:bodyPr spcFirstLastPara="0" vert="horz" wrap="square" lIns="45720" tIns="45720" rIns="45720" bIns="45720" numCol="1" spcCol="1270" anchor="ctr" anchorCtr="0">
+          <a:noAutofit/>
+        </a:bodyPr>
+        <a:lstStyle/>
+        <a:p>
+          <a:pPr marL="0" lvl="0" indent="0" algn="ctr" defTabSz="533400">
+            <a:lnSpc>
+              <a:spcPct val="90000"/>
+            </a:lnSpc>
+            <a:spcBef>
+              <a:spcPct val="0"/>
+            </a:spcBef>
+            <a:spcAft>
+              <a:spcPct val="35000"/>
+            </a:spcAft>
+            <a:buNone/>
+          </a:pPr>
+          <a:r>
+            <a:rPr lang="en-US" sz="1200" kern="1200" dirty="0"/>
+            <a:t>Jenkins</a:t>
+          </a:r>
+        </a:p>
+      </dsp:txBody>
+      <dsp:txXfrm>
+        <a:off x="1182970" y="711890"/>
+        <a:ext cx="910173" cy="570026"/>
+      </dsp:txXfrm>
+    </dsp:sp>
+    <dsp:sp modelId="{BF965D67-6923-4969-9EAA-E08D553CCD83}">
+      <dsp:nvSpPr>
+        <dsp:cNvPr id="0" name=""/>
+        <dsp:cNvSpPr/>
+      </dsp:nvSpPr>
+      <dsp:spPr>
+        <a:xfrm>
+          <a:off x="1244615" y="317911"/>
+          <a:ext cx="3606768" cy="3606768"/>
+        </a:xfrm>
+        <a:custGeom>
+          <a:avLst/>
+          <a:gdLst/>
+          <a:ahLst/>
+          <a:cxnLst/>
+          <a:rect l="0" t="0" r="0" b="0"/>
+          <a:pathLst>
+            <a:path>
+              <a:moveTo>
+                <a:pt x="723422" y="359127"/>
+              </a:moveTo>
+              <a:arcTo wR="1803384" hR="1803384" stAng="13992733" swAng="1256624"/>
+            </a:path>
+          </a:pathLst>
+        </a:custGeom>
+        <a:noFill/>
+        <a:ln w="12700" cap="flat" cmpd="sng" algn="ctr">
+          <a:solidFill>
+            <a:schemeClr val="accent3">
+              <a:hueOff val="0"/>
+              <a:satOff val="0"/>
+              <a:lumOff val="0"/>
+              <a:alphaOff val="0"/>
+            </a:schemeClr>
+          </a:solidFill>
+          <a:prstDash val="solid"/>
+        </a:ln>
+        <a:effectLst/>
+        <a:sp3d z="-40000" prstMaterial="matte"/>
+      </dsp:spPr>
+      <dsp:style>
+        <a:lnRef idx="1">
+          <a:scrgbClr r="0" g="0" b="0"/>
+        </a:lnRef>
+        <a:fillRef idx="0">
+          <a:scrgbClr r="0" g="0" b="0"/>
+        </a:fillRef>
+        <a:effectRef idx="0">
+          <a:scrgbClr r="0" g="0" b="0"/>
+        </a:effectRef>
+        <a:fontRef idx="minor"/>
+      </dsp:style>
+    </dsp:sp>
+  </dsp:spTree>
+</dsp:drawing>
 </file>
 
 <file path=ppt/diagrams/layout1.xml><?xml version="1.0" encoding="utf-8"?>
@@ -2987,10 +3824,9 @@
           </a:lstStyle>
           <a:p>
             <a:r>
-              <a:rPr kumimoji="0" lang="en-US" smtClean="0"/>
+              <a:rPr kumimoji="0" lang="en-US"/>
               <a:t>Click to edit Master title style</a:t>
             </a:r>
-            <a:endParaRPr kumimoji="0" lang="en-US"/>
           </a:p>
         </p:txBody>
       </p:sp>
@@ -3048,10 +3884,9 @@
           </a:lstStyle>
           <a:p>
             <a:r>
-              <a:rPr kumimoji="0" lang="en-US" smtClean="0"/>
+              <a:rPr kumimoji="0" lang="en-US"/>
               <a:t>Click to edit Master subtitle style</a:t>
             </a:r>
-            <a:endParaRPr kumimoji="0" lang="en-US"/>
           </a:p>
         </p:txBody>
       </p:sp>
@@ -3078,7 +3913,7 @@
             <a:fld id="{B530F48F-97CB-4269-8255-40710069F914}" type="datetimeFigureOut">
               <a:rPr lang="en-US" smtClean="0"/>
               <a:pPr/>
-              <a:t>5/4/2022</a:t>
+              <a:t>5/6/2022</a:t>
             </a:fld>
             <a:endParaRPr lang="en-US"/>
           </a:p>
@@ -3872,10 +4707,9 @@
           <a:lstStyle/>
           <a:p>
             <a:r>
-              <a:rPr kumimoji="0" lang="en-US" smtClean="0"/>
+              <a:rPr kumimoji="0" lang="en-US"/>
               <a:t>Click to edit Master title style</a:t>
             </a:r>
-            <a:endParaRPr kumimoji="0" lang="en-US"/>
           </a:p>
         </p:txBody>
       </p:sp>
@@ -3896,35 +4730,35 @@
           <a:p>
             <a:pPr lvl="0" eaLnBrk="1" latinLnBrk="0" hangingPunct="1"/>
             <a:r>
-              <a:rPr lang="en-US" smtClean="0"/>
+              <a:rPr lang="en-US"/>
               <a:t>Click to edit Master text styles</a:t>
             </a:r>
           </a:p>
           <a:p>
             <a:pPr lvl="1" eaLnBrk="1" latinLnBrk="0" hangingPunct="1"/>
             <a:r>
-              <a:rPr lang="en-US" smtClean="0"/>
+              <a:rPr lang="en-US"/>
               <a:t>Second level</a:t>
             </a:r>
           </a:p>
           <a:p>
             <a:pPr lvl="2" eaLnBrk="1" latinLnBrk="0" hangingPunct="1"/>
             <a:r>
-              <a:rPr lang="en-US" smtClean="0"/>
+              <a:rPr lang="en-US"/>
               <a:t>Third level</a:t>
             </a:r>
           </a:p>
           <a:p>
             <a:pPr lvl="3" eaLnBrk="1" latinLnBrk="0" hangingPunct="1"/>
             <a:r>
-              <a:rPr lang="en-US" smtClean="0"/>
+              <a:rPr lang="en-US"/>
               <a:t>Fourth level</a:t>
             </a:r>
           </a:p>
           <a:p>
             <a:pPr lvl="4" eaLnBrk="1" latinLnBrk="0" hangingPunct="1"/>
             <a:r>
-              <a:rPr lang="en-US" smtClean="0"/>
+              <a:rPr lang="en-US"/>
               <a:t>Fifth level</a:t>
             </a:r>
             <a:endParaRPr kumimoji="0" lang="en-US"/>
@@ -3949,7 +4783,7 @@
             <a:fld id="{B530F48F-97CB-4269-8255-40710069F914}" type="datetimeFigureOut">
               <a:rPr lang="en-US" smtClean="0"/>
               <a:pPr/>
-              <a:t>5/4/2022</a:t>
+              <a:t>5/6/2022</a:t>
             </a:fld>
             <a:endParaRPr lang="en-US"/>
           </a:p>
@@ -4044,10 +4878,9 @@
           <a:lstStyle/>
           <a:p>
             <a:r>
-              <a:rPr kumimoji="0" lang="en-US" smtClean="0"/>
+              <a:rPr kumimoji="0" lang="en-US"/>
               <a:t>Click to edit Master title style</a:t>
             </a:r>
-            <a:endParaRPr kumimoji="0" lang="en-US"/>
           </a:p>
         </p:txBody>
       </p:sp>
@@ -4073,35 +4906,35 @@
           <a:p>
             <a:pPr lvl="0" eaLnBrk="1" latinLnBrk="0" hangingPunct="1"/>
             <a:r>
-              <a:rPr lang="en-US" smtClean="0"/>
+              <a:rPr lang="en-US"/>
               <a:t>Click to edit Master text styles</a:t>
             </a:r>
           </a:p>
           <a:p>
             <a:pPr lvl="1" eaLnBrk="1" latinLnBrk="0" hangingPunct="1"/>
             <a:r>
-              <a:rPr lang="en-US" smtClean="0"/>
+              <a:rPr lang="en-US"/>
               <a:t>Second level</a:t>
             </a:r>
           </a:p>
           <a:p>
             <a:pPr lvl="2" eaLnBrk="1" latinLnBrk="0" hangingPunct="1"/>
             <a:r>
-              <a:rPr lang="en-US" smtClean="0"/>
+              <a:rPr lang="en-US"/>
               <a:t>Third level</a:t>
             </a:r>
           </a:p>
           <a:p>
             <a:pPr lvl="3" eaLnBrk="1" latinLnBrk="0" hangingPunct="1"/>
             <a:r>
-              <a:rPr lang="en-US" smtClean="0"/>
+              <a:rPr lang="en-US"/>
               <a:t>Fourth level</a:t>
             </a:r>
           </a:p>
           <a:p>
             <a:pPr lvl="4" eaLnBrk="1" latinLnBrk="0" hangingPunct="1"/>
             <a:r>
-              <a:rPr lang="en-US" smtClean="0"/>
+              <a:rPr lang="en-US"/>
               <a:t>Fifth level</a:t>
             </a:r>
             <a:endParaRPr kumimoji="0" lang="en-US"/>
@@ -4126,7 +4959,7 @@
             <a:fld id="{B530F48F-97CB-4269-8255-40710069F914}" type="datetimeFigureOut">
               <a:rPr lang="en-US" smtClean="0"/>
               <a:pPr/>
-              <a:t>5/4/2022</a:t>
+              <a:t>5/6/2022</a:t>
             </a:fld>
             <a:endParaRPr lang="en-US"/>
           </a:p>
@@ -4216,10 +5049,9 @@
           <a:lstStyle/>
           <a:p>
             <a:r>
-              <a:rPr kumimoji="0" lang="en-US" smtClean="0"/>
+              <a:rPr kumimoji="0" lang="en-US"/>
               <a:t>Click to edit Master title style</a:t>
             </a:r>
-            <a:endParaRPr kumimoji="0" lang="en-US"/>
           </a:p>
         </p:txBody>
       </p:sp>
@@ -4245,35 +5077,35 @@
           <a:p>
             <a:pPr lvl="0" eaLnBrk="1" latinLnBrk="0" hangingPunct="1"/>
             <a:r>
-              <a:rPr lang="en-US" smtClean="0"/>
+              <a:rPr lang="en-US"/>
               <a:t>Click to edit Master text styles</a:t>
             </a:r>
           </a:p>
           <a:p>
             <a:pPr lvl="1" eaLnBrk="1" latinLnBrk="0" hangingPunct="1"/>
             <a:r>
-              <a:rPr lang="en-US" smtClean="0"/>
+              <a:rPr lang="en-US"/>
               <a:t>Second level</a:t>
             </a:r>
           </a:p>
           <a:p>
             <a:pPr lvl="2" eaLnBrk="1" latinLnBrk="0" hangingPunct="1"/>
             <a:r>
-              <a:rPr lang="en-US" smtClean="0"/>
+              <a:rPr lang="en-US"/>
               <a:t>Third level</a:t>
             </a:r>
           </a:p>
           <a:p>
             <a:pPr lvl="3" eaLnBrk="1" latinLnBrk="0" hangingPunct="1"/>
             <a:r>
-              <a:rPr lang="en-US" smtClean="0"/>
+              <a:rPr lang="en-US"/>
               <a:t>Fourth level</a:t>
             </a:r>
           </a:p>
           <a:p>
             <a:pPr lvl="4" eaLnBrk="1" latinLnBrk="0" hangingPunct="1"/>
             <a:r>
-              <a:rPr lang="en-US" smtClean="0"/>
+              <a:rPr lang="en-US"/>
               <a:t>Fifth level</a:t>
             </a:r>
             <a:endParaRPr kumimoji="0" lang="en-US"/>
@@ -4298,7 +5130,7 @@
             <a:fld id="{B530F48F-97CB-4269-8255-40710069F914}" type="datetimeFigureOut">
               <a:rPr lang="en-US" smtClean="0"/>
               <a:pPr/>
-              <a:t>5/4/2022</a:t>
+              <a:t>5/6/2022</a:t>
             </a:fld>
             <a:endParaRPr lang="en-US"/>
           </a:p>
@@ -4403,10 +5235,9 @@
           </a:lstStyle>
           <a:p>
             <a:r>
-              <a:rPr kumimoji="0" lang="en-US" smtClean="0"/>
+              <a:rPr kumimoji="0" lang="en-US"/>
               <a:t>Click to edit Master title style</a:t>
             </a:r>
-            <a:endParaRPr kumimoji="0" lang="en-US"/>
           </a:p>
         </p:txBody>
       </p:sp>
@@ -4481,7 +5312,7 @@
           <a:p>
             <a:pPr lvl="0" eaLnBrk="1" latinLnBrk="0" hangingPunct="1"/>
             <a:r>
-              <a:rPr kumimoji="0" lang="en-US" smtClean="0"/>
+              <a:rPr kumimoji="0" lang="en-US"/>
               <a:t>Click to edit Master text styles</a:t>
             </a:r>
           </a:p>
@@ -4510,7 +5341,7 @@
             <a:fld id="{B530F48F-97CB-4269-8255-40710069F914}" type="datetimeFigureOut">
               <a:rPr lang="en-US" smtClean="0"/>
               <a:pPr/>
-              <a:t>5/4/2022</a:t>
+              <a:t>5/6/2022</a:t>
             </a:fld>
             <a:endParaRPr lang="en-US"/>
           </a:p>
@@ -5301,10 +6132,9 @@
           <a:lstStyle/>
           <a:p>
             <a:r>
-              <a:rPr kumimoji="0" lang="en-US" smtClean="0"/>
+              <a:rPr kumimoji="0" lang="en-US"/>
               <a:t>Click to edit Master title style</a:t>
             </a:r>
-            <a:endParaRPr kumimoji="0" lang="en-US"/>
           </a:p>
         </p:txBody>
       </p:sp>
@@ -5326,7 +6156,7 @@
             <a:fld id="{B530F48F-97CB-4269-8255-40710069F914}" type="datetimeFigureOut">
               <a:rPr lang="en-US" smtClean="0"/>
               <a:pPr/>
-              <a:t>5/4/2022</a:t>
+              <a:t>5/6/2022</a:t>
             </a:fld>
             <a:endParaRPr lang="en-US"/>
           </a:p>
@@ -5397,35 +6227,35 @@
           <a:p>
             <a:pPr lvl="0" eaLnBrk="1" latinLnBrk="0" hangingPunct="1"/>
             <a:r>
-              <a:rPr lang="en-US" smtClean="0"/>
+              <a:rPr lang="en-US"/>
               <a:t>Click to edit Master text styles</a:t>
             </a:r>
           </a:p>
           <a:p>
             <a:pPr lvl="1" eaLnBrk="1" latinLnBrk="0" hangingPunct="1"/>
             <a:r>
-              <a:rPr lang="en-US" smtClean="0"/>
+              <a:rPr lang="en-US"/>
               <a:t>Second level</a:t>
             </a:r>
           </a:p>
           <a:p>
             <a:pPr lvl="2" eaLnBrk="1" latinLnBrk="0" hangingPunct="1"/>
             <a:r>
-              <a:rPr lang="en-US" smtClean="0"/>
+              <a:rPr lang="en-US"/>
               <a:t>Third level</a:t>
             </a:r>
           </a:p>
           <a:p>
             <a:pPr lvl="3" eaLnBrk="1" latinLnBrk="0" hangingPunct="1"/>
             <a:r>
-              <a:rPr lang="en-US" smtClean="0"/>
+              <a:rPr lang="en-US"/>
               <a:t>Fourth level</a:t>
             </a:r>
           </a:p>
           <a:p>
             <a:pPr lvl="4" eaLnBrk="1" latinLnBrk="0" hangingPunct="1"/>
             <a:r>
-              <a:rPr lang="en-US" smtClean="0"/>
+              <a:rPr lang="en-US"/>
               <a:t>Fifth level</a:t>
             </a:r>
             <a:endParaRPr kumimoji="0" lang="en-US"/>
@@ -5454,35 +6284,35 @@
           <a:p>
             <a:pPr lvl="0" eaLnBrk="1" latinLnBrk="0" hangingPunct="1"/>
             <a:r>
-              <a:rPr lang="en-US" smtClean="0"/>
+              <a:rPr lang="en-US"/>
               <a:t>Click to edit Master text styles</a:t>
             </a:r>
           </a:p>
           <a:p>
             <a:pPr lvl="1" eaLnBrk="1" latinLnBrk="0" hangingPunct="1"/>
             <a:r>
-              <a:rPr lang="en-US" smtClean="0"/>
+              <a:rPr lang="en-US"/>
               <a:t>Second level</a:t>
             </a:r>
           </a:p>
           <a:p>
             <a:pPr lvl="2" eaLnBrk="1" latinLnBrk="0" hangingPunct="1"/>
             <a:r>
-              <a:rPr lang="en-US" smtClean="0"/>
+              <a:rPr lang="en-US"/>
               <a:t>Third level</a:t>
             </a:r>
           </a:p>
           <a:p>
             <a:pPr lvl="3" eaLnBrk="1" latinLnBrk="0" hangingPunct="1"/>
             <a:r>
-              <a:rPr lang="en-US" smtClean="0"/>
+              <a:rPr lang="en-US"/>
               <a:t>Fourth level</a:t>
             </a:r>
           </a:p>
           <a:p>
             <a:pPr lvl="4" eaLnBrk="1" latinLnBrk="0" hangingPunct="1"/>
             <a:r>
-              <a:rPr lang="en-US" smtClean="0"/>
+              <a:rPr lang="en-US"/>
               <a:t>Fifth level</a:t>
             </a:r>
             <a:endParaRPr kumimoji="0" lang="en-US"/>
@@ -5539,10 +6369,9 @@
           </a:lstStyle>
           <a:p>
             <a:r>
-              <a:rPr kumimoji="0" lang="en-US" smtClean="0"/>
+              <a:rPr kumimoji="0" lang="en-US"/>
               <a:t>Click to edit Master title style</a:t>
             </a:r>
-            <a:endParaRPr kumimoji="0" lang="en-US"/>
           </a:p>
         </p:txBody>
       </p:sp>
@@ -5564,7 +6393,7 @@
             <a:fld id="{B530F48F-97CB-4269-8255-40710069F914}" type="datetimeFigureOut">
               <a:rPr lang="en-US" smtClean="0"/>
               <a:pPr/>
-              <a:t>5/4/2022</a:t>
+              <a:t>5/6/2022</a:t>
             </a:fld>
             <a:endParaRPr lang="en-US"/>
           </a:p>
@@ -5635,35 +6464,35 @@
           <a:p>
             <a:pPr lvl="0" eaLnBrk="1" latinLnBrk="0" hangingPunct="1"/>
             <a:r>
-              <a:rPr lang="en-US" smtClean="0"/>
+              <a:rPr lang="en-US"/>
               <a:t>Click to edit Master text styles</a:t>
             </a:r>
           </a:p>
           <a:p>
             <a:pPr lvl="1" eaLnBrk="1" latinLnBrk="0" hangingPunct="1"/>
             <a:r>
-              <a:rPr lang="en-US" smtClean="0"/>
+              <a:rPr lang="en-US"/>
               <a:t>Second level</a:t>
             </a:r>
           </a:p>
           <a:p>
             <a:pPr lvl="2" eaLnBrk="1" latinLnBrk="0" hangingPunct="1"/>
             <a:r>
-              <a:rPr lang="en-US" smtClean="0"/>
+              <a:rPr lang="en-US"/>
               <a:t>Third level</a:t>
             </a:r>
           </a:p>
           <a:p>
             <a:pPr lvl="3" eaLnBrk="1" latinLnBrk="0" hangingPunct="1"/>
             <a:r>
-              <a:rPr lang="en-US" smtClean="0"/>
+              <a:rPr lang="en-US"/>
               <a:t>Fourth level</a:t>
             </a:r>
           </a:p>
           <a:p>
             <a:pPr lvl="4" eaLnBrk="1" latinLnBrk="0" hangingPunct="1"/>
             <a:r>
-              <a:rPr lang="en-US" smtClean="0"/>
+              <a:rPr lang="en-US"/>
               <a:t>Fifth level</a:t>
             </a:r>
             <a:endParaRPr kumimoji="0" lang="en-US"/>
@@ -5692,35 +6521,35 @@
           <a:p>
             <a:pPr lvl="0" eaLnBrk="1" latinLnBrk="0" hangingPunct="1"/>
             <a:r>
-              <a:rPr lang="en-US" smtClean="0"/>
+              <a:rPr lang="en-US"/>
               <a:t>Click to edit Master text styles</a:t>
             </a:r>
           </a:p>
           <a:p>
             <a:pPr lvl="1" eaLnBrk="1" latinLnBrk="0" hangingPunct="1"/>
             <a:r>
-              <a:rPr lang="en-US" smtClean="0"/>
+              <a:rPr lang="en-US"/>
               <a:t>Second level</a:t>
             </a:r>
           </a:p>
           <a:p>
             <a:pPr lvl="2" eaLnBrk="1" latinLnBrk="0" hangingPunct="1"/>
             <a:r>
-              <a:rPr lang="en-US" smtClean="0"/>
+              <a:rPr lang="en-US"/>
               <a:t>Third level</a:t>
             </a:r>
           </a:p>
           <a:p>
             <a:pPr lvl="3" eaLnBrk="1" latinLnBrk="0" hangingPunct="1"/>
             <a:r>
-              <a:rPr lang="en-US" smtClean="0"/>
+              <a:rPr lang="en-US"/>
               <a:t>Fourth level</a:t>
             </a:r>
           </a:p>
           <a:p>
             <a:pPr lvl="4" eaLnBrk="1" latinLnBrk="0" hangingPunct="1"/>
             <a:r>
-              <a:rPr lang="en-US" smtClean="0"/>
+              <a:rPr lang="en-US"/>
               <a:t>Fifth level</a:t>
             </a:r>
             <a:endParaRPr kumimoji="0" lang="en-US"/>
@@ -5769,7 +6598,7 @@
           <a:p>
             <a:pPr lvl="0" eaLnBrk="1" latinLnBrk="0" hangingPunct="1"/>
             <a:r>
-              <a:rPr kumimoji="0" lang="en-US" smtClean="0"/>
+              <a:rPr kumimoji="0" lang="en-US"/>
               <a:t>Click to edit Master text styles</a:t>
             </a:r>
           </a:p>
@@ -5817,7 +6646,7 @@
           <a:p>
             <a:pPr lvl="0" eaLnBrk="1" latinLnBrk="0" hangingPunct="1"/>
             <a:r>
-              <a:rPr kumimoji="0" lang="en-US" smtClean="0"/>
+              <a:rPr kumimoji="0" lang="en-US"/>
               <a:t>Click to edit Master text styles</a:t>
             </a:r>
           </a:p>
@@ -5864,10 +6693,9 @@
           <a:lstStyle/>
           <a:p>
             <a:r>
-              <a:rPr kumimoji="0" lang="en-US" smtClean="0"/>
+              <a:rPr kumimoji="0" lang="en-US"/>
               <a:t>Click to edit Master title style</a:t>
             </a:r>
-            <a:endParaRPr kumimoji="0" lang="en-US"/>
           </a:p>
         </p:txBody>
       </p:sp>
@@ -5889,7 +6717,7 @@
             <a:fld id="{B530F48F-97CB-4269-8255-40710069F914}" type="datetimeFigureOut">
               <a:rPr lang="en-US" smtClean="0"/>
               <a:pPr/>
-              <a:t>5/4/2022</a:t>
+              <a:t>5/6/2022</a:t>
             </a:fld>
             <a:endParaRPr lang="en-US"/>
           </a:p>
@@ -5981,7 +6809,7 @@
             <a:fld id="{B530F48F-97CB-4269-8255-40710069F914}" type="datetimeFigureOut">
               <a:rPr lang="en-US" smtClean="0"/>
               <a:pPr/>
-              <a:t>5/4/2022</a:t>
+              <a:t>5/6/2022</a:t>
             </a:fld>
             <a:endParaRPr lang="en-US"/>
           </a:p>
@@ -6125,10 +6953,9 @@
           </a:lstStyle>
           <a:p>
             <a:r>
-              <a:rPr kumimoji="0" lang="en-US" smtClean="0"/>
+              <a:rPr kumimoji="0" lang="en-US"/>
               <a:t>Click to edit Master title style</a:t>
             </a:r>
-            <a:endParaRPr kumimoji="0" lang="en-US"/>
           </a:p>
         </p:txBody>
       </p:sp>
@@ -6181,7 +7008,7 @@
           <a:p>
             <a:pPr lvl="0" eaLnBrk="1" latinLnBrk="0" hangingPunct="1"/>
             <a:r>
-              <a:rPr kumimoji="0" lang="en-US" smtClean="0"/>
+              <a:rPr kumimoji="0" lang="en-US"/>
               <a:t>Click to edit Master text styles</a:t>
             </a:r>
           </a:p>
@@ -6447,35 +7274,35 @@
           <a:p>
             <a:pPr lvl="0" eaLnBrk="1" latinLnBrk="0" hangingPunct="1"/>
             <a:r>
-              <a:rPr lang="en-US" smtClean="0"/>
+              <a:rPr lang="en-US"/>
               <a:t>Click to edit Master text styles</a:t>
             </a:r>
           </a:p>
           <a:p>
             <a:pPr lvl="1" eaLnBrk="1" latinLnBrk="0" hangingPunct="1"/>
             <a:r>
-              <a:rPr lang="en-US" smtClean="0"/>
+              <a:rPr lang="en-US"/>
               <a:t>Second level</a:t>
             </a:r>
           </a:p>
           <a:p>
             <a:pPr lvl="2" eaLnBrk="1" latinLnBrk="0" hangingPunct="1"/>
             <a:r>
-              <a:rPr lang="en-US" smtClean="0"/>
+              <a:rPr lang="en-US"/>
               <a:t>Third level</a:t>
             </a:r>
           </a:p>
           <a:p>
             <a:pPr lvl="3" eaLnBrk="1" latinLnBrk="0" hangingPunct="1"/>
             <a:r>
-              <a:rPr lang="en-US" smtClean="0"/>
+              <a:rPr lang="en-US"/>
               <a:t>Fourth level</a:t>
             </a:r>
           </a:p>
           <a:p>
             <a:pPr lvl="4" eaLnBrk="1" latinLnBrk="0" hangingPunct="1"/>
             <a:r>
-              <a:rPr lang="en-US" smtClean="0"/>
+              <a:rPr lang="en-US"/>
               <a:t>Fifth level</a:t>
             </a:r>
             <a:endParaRPr kumimoji="0" lang="en-US"/>
@@ -6500,7 +7327,7 @@
             <a:fld id="{B530F48F-97CB-4269-8255-40710069F914}" type="datetimeFigureOut">
               <a:rPr lang="en-US" smtClean="0"/>
               <a:pPr/>
-              <a:t>5/4/2022</a:t>
+              <a:t>5/6/2022</a:t>
             </a:fld>
             <a:endParaRPr lang="en-US"/>
           </a:p>
@@ -6681,10 +7508,9 @@
           </a:lstStyle>
           <a:p>
             <a:r>
-              <a:rPr kumimoji="0" lang="en-US" smtClean="0"/>
+              <a:rPr kumimoji="0" lang="en-US"/>
               <a:t>Click to edit Master title style</a:t>
             </a:r>
-            <a:endParaRPr kumimoji="0" lang="en-US"/>
           </a:p>
         </p:txBody>
       </p:sp>
@@ -6740,7 +7566,7 @@
               <a:buNone/>
             </a:pPr>
             <a:r>
-              <a:rPr kumimoji="0" lang="en-US" smtClean="0"/>
+              <a:rPr kumimoji="0" lang="en-US"/>
               <a:t>Click icon to add picture</a:t>
             </a:r>
             <a:endParaRPr kumimoji="0" lang="en-US" dirty="0"/>
@@ -6795,7 +7621,7 @@
           <a:p>
             <a:pPr lvl="0" eaLnBrk="1" latinLnBrk="0" hangingPunct="1"/>
             <a:r>
-              <a:rPr kumimoji="0" lang="en-US" smtClean="0"/>
+              <a:rPr kumimoji="0" lang="en-US"/>
               <a:t>Click to edit Master text styles</a:t>
             </a:r>
           </a:p>
@@ -7013,7 +7839,7 @@
             <a:fld id="{B530F48F-97CB-4269-8255-40710069F914}" type="datetimeFigureOut">
               <a:rPr lang="en-US" smtClean="0"/>
               <a:pPr/>
-              <a:t>5/4/2022</a:t>
+              <a:t>5/6/2022</a:t>
             </a:fld>
             <a:endParaRPr lang="en-US"/>
           </a:p>
@@ -7157,10 +7983,9 @@
           <a:lstStyle/>
           <a:p>
             <a:r>
-              <a:rPr kumimoji="0" lang="en-US" smtClean="0"/>
+              <a:rPr kumimoji="0" lang="en-US"/>
               <a:t>Click to edit Master title style</a:t>
             </a:r>
-            <a:endParaRPr kumimoji="0" lang="en-US"/>
           </a:p>
         </p:txBody>
       </p:sp>
@@ -7191,38 +8016,37 @@
           <a:p>
             <a:pPr lvl="0" eaLnBrk="1" latinLnBrk="0" hangingPunct="1"/>
             <a:r>
-              <a:rPr kumimoji="0" lang="en-US" smtClean="0"/>
+              <a:rPr kumimoji="0" lang="en-US"/>
               <a:t>Click to edit Master text styles</a:t>
             </a:r>
           </a:p>
           <a:p>
             <a:pPr lvl="1" eaLnBrk="1" latinLnBrk="0" hangingPunct="1"/>
             <a:r>
-              <a:rPr kumimoji="0" lang="en-US" smtClean="0"/>
+              <a:rPr kumimoji="0" lang="en-US"/>
               <a:t>Second level</a:t>
             </a:r>
           </a:p>
           <a:p>
             <a:pPr lvl="2" eaLnBrk="1" latinLnBrk="0" hangingPunct="1"/>
             <a:r>
-              <a:rPr kumimoji="0" lang="en-US" smtClean="0"/>
+              <a:rPr kumimoji="0" lang="en-US"/>
               <a:t>Third level</a:t>
             </a:r>
           </a:p>
           <a:p>
             <a:pPr lvl="3" eaLnBrk="1" latinLnBrk="0" hangingPunct="1"/>
             <a:r>
-              <a:rPr kumimoji="0" lang="en-US" smtClean="0"/>
+              <a:rPr kumimoji="0" lang="en-US"/>
               <a:t>Fourth level</a:t>
             </a:r>
           </a:p>
           <a:p>
             <a:pPr lvl="4" eaLnBrk="1" latinLnBrk="0" hangingPunct="1"/>
             <a:r>
-              <a:rPr kumimoji="0" lang="en-US" smtClean="0"/>
+              <a:rPr kumimoji="0" lang="en-US"/>
               <a:t>Fifth level</a:t>
             </a:r>
-            <a:endParaRPr kumimoji="0" lang="en-US"/>
           </a:p>
         </p:txBody>
       </p:sp>
@@ -7260,7 +8084,7 @@
             <a:fld id="{B530F48F-97CB-4269-8255-40710069F914}" type="datetimeFigureOut">
               <a:rPr lang="en-US" smtClean="0"/>
               <a:pPr/>
-              <a:t>5/4/2022</a:t>
+              <a:t>5/6/2022</a:t>
             </a:fld>
             <a:endParaRPr lang="en-US"/>
           </a:p>
@@ -7904,7 +8728,7 @@
           <a:p>
             <a:pPr algn="ctr"/>
             <a:r>
-              <a:rPr lang="en-US" sz="4200" dirty="0" smtClean="0">
+              <a:rPr lang="en-US" sz="4200" dirty="0">
                 <a:solidFill>
                   <a:schemeClr val="tx1"/>
                 </a:solidFill>
@@ -7912,12 +8736,6 @@
               </a:rPr>
               <a:t>Automation Testing for Starbucks using Selenium</a:t>
             </a:r>
-            <a:endParaRPr lang="en-US" sz="4200" dirty="0">
-              <a:solidFill>
-                <a:schemeClr val="tx1"/>
-              </a:solidFill>
-              <a:latin typeface="Bahnschrift SemiLight" pitchFamily="34" charset="0"/>
-            </a:endParaRPr>
           </a:p>
         </p:txBody>
       </p:sp>
@@ -7945,7 +8763,7 @@
           <a:p>
             <a:pPr algn="ctr"/>
             <a:r>
-              <a:rPr lang="en-US" dirty="0" smtClean="0">
+              <a:rPr lang="en-US" dirty="0">
                 <a:solidFill>
                   <a:schemeClr val="bg1"/>
                 </a:solidFill>
@@ -7957,7 +8775,7 @@
           <a:p>
             <a:pPr algn="ctr"/>
             <a:r>
-              <a:rPr lang="en-US" dirty="0" err="1" smtClean="0">
+              <a:rPr lang="en-US" dirty="0" err="1">
                 <a:solidFill>
                   <a:schemeClr val="bg1"/>
                 </a:solidFill>
@@ -7965,7 +8783,7 @@
               </a:rPr>
               <a:t>Artur</a:t>
             </a:r>
-            <a:endParaRPr lang="en-US" dirty="0" smtClean="0">
+            <a:endParaRPr lang="en-US" dirty="0">
               <a:solidFill>
                 <a:schemeClr val="bg1"/>
               </a:solidFill>
@@ -7975,7 +8793,7 @@
           <a:p>
             <a:pPr algn="ctr"/>
             <a:r>
-              <a:rPr lang="en-US" dirty="0" smtClean="0">
+              <a:rPr lang="en-US" dirty="0">
                 <a:solidFill>
                   <a:schemeClr val="bg1"/>
                 </a:solidFill>
@@ -7987,7 +8805,7 @@
           <a:p>
             <a:pPr algn="ctr"/>
             <a:r>
-              <a:rPr lang="en-US" dirty="0" smtClean="0">
+              <a:rPr lang="en-US" dirty="0">
                 <a:solidFill>
                   <a:schemeClr val="bg1"/>
                 </a:solidFill>
@@ -7999,7 +8817,7 @@
           <a:p>
             <a:pPr algn="ctr"/>
             <a:r>
-              <a:rPr lang="en-US" dirty="0" err="1" smtClean="0">
+              <a:rPr lang="en-US" dirty="0" err="1">
                 <a:solidFill>
                   <a:schemeClr val="bg1"/>
                 </a:solidFill>
@@ -8007,7 +8825,7 @@
               </a:rPr>
               <a:t>Olu</a:t>
             </a:r>
-            <a:endParaRPr lang="en-US" dirty="0" smtClean="0">
+            <a:endParaRPr lang="en-US" dirty="0">
               <a:solidFill>
                 <a:schemeClr val="bg1"/>
               </a:solidFill>
@@ -8064,25 +8882,101 @@
         </p:nvSpPr>
         <p:spPr/>
         <p:txBody>
-          <a:bodyPr/>
-          <a:lstStyle/>
-          <a:p>
+          <a:bodyPr>
+            <a:normAutofit/>
+          </a:bodyPr>
+          <a:lstStyle/>
+          <a:p>
+            <a:pPr algn="ctr"/>
             <a:r>
-              <a:rPr lang="en-US" dirty="0" smtClean="0"/>
-              <a:t>Learning &amp; Challenges</a:t>
+              <a:rPr lang="en-US" dirty="0"/>
+              <a:t>Data Driven Automation of </a:t>
             </a:r>
-            <a:endParaRPr lang="en-US" dirty="0"/>
-          </a:p>
-        </p:txBody>
-      </p:sp>
-      <p:sp>
-        <p:nvSpPr>
-          <p:cNvPr id="3" name="Content Placeholder 2"/>
+            <a:r>
+              <a:rPr lang="en-US" dirty="0" err="1"/>
+              <a:t>LoginTest</a:t>
+            </a:r>
+            <a:r>
+              <a:rPr lang="en-US" dirty="0"/>
+              <a:t> using Page Object</a:t>
+            </a:r>
+          </a:p>
+        </p:txBody>
+      </p:sp>
+      <p:pic>
+        <p:nvPicPr>
+          <p:cNvPr id="4" name="Picture 3" descr="Graphical user interface, text, application&#10;&#10;Description automatically generated">
+            <a:extLst>
+              <a:ext uri="{FF2B5EF4-FFF2-40B4-BE49-F238E27FC236}">
+                <a16:creationId xmlns:a16="http://schemas.microsoft.com/office/drawing/2014/main" id="{1FB9A7D1-0EA0-8642-AD5C-0F6353E5567D}"/>
+              </a:ext>
+            </a:extLst>
+          </p:cNvPr>
+          <p:cNvPicPr>
+            <a:picLocks noChangeAspect="1"/>
+          </p:cNvPicPr>
+          <p:nvPr/>
+        </p:nvPicPr>
+        <p:blipFill rotWithShape="1">
+          <a:blip r:embed="rId2">
+            <a:extLst>
+              <a:ext uri="{28A0092B-C50C-407E-A947-70E740481C1C}">
+                <a14:useLocalDpi xmlns:a14="http://schemas.microsoft.com/office/drawing/2010/main" val="0"/>
+              </a:ext>
+            </a:extLst>
+          </a:blip>
+          <a:srcRect l="17675" t="14062" b="7812"/>
+          <a:stretch/>
+        </p:blipFill>
+        <p:spPr>
+          <a:xfrm>
+            <a:off x="152400" y="1752600"/>
+            <a:ext cx="8661400" cy="4623523"/>
+          </a:xfrm>
+          <a:prstGeom prst="rect">
+            <a:avLst/>
+          </a:prstGeom>
+        </p:spPr>
+      </p:pic>
+    </p:spTree>
+  </p:cSld>
+  <p:clrMapOvr>
+    <a:masterClrMapping/>
+  </p:clrMapOvr>
+</p:sld>
+</file>
+
+<file path=ppt/slides/slide11.xml><?xml version="1.0" encoding="utf-8"?>
+<p:sld xmlns:a="http://schemas.openxmlformats.org/drawingml/2006/main" xmlns:r="http://schemas.openxmlformats.org/officeDocument/2006/relationships" xmlns:p="http://schemas.openxmlformats.org/presentationml/2006/main">
+  <p:cSld>
+    <p:spTree>
+      <p:nvGrpSpPr>
+        <p:cNvPr id="1" name=""/>
+        <p:cNvGrpSpPr/>
+        <p:nvPr/>
+      </p:nvGrpSpPr>
+      <p:grpSpPr>
+        <a:xfrm>
+          <a:off x="0" y="0"/>
+          <a:ext cx="0" cy="0"/>
+          <a:chOff x="0" y="0"/>
+          <a:chExt cx="0" cy="0"/>
+        </a:xfrm>
+      </p:grpSpPr>
+      <p:sp>
+        <p:nvSpPr>
+          <p:cNvPr id="2" name="Title 1">
+            <a:extLst>
+              <a:ext uri="{FF2B5EF4-FFF2-40B4-BE49-F238E27FC236}">
+                <a16:creationId xmlns:a16="http://schemas.microsoft.com/office/drawing/2014/main" id="{FCB71EF2-B849-ACDE-84BE-493AA27F1842}"/>
+              </a:ext>
+            </a:extLst>
+          </p:cNvPr>
           <p:cNvSpPr>
             <a:spLocks noGrp="1"/>
           </p:cNvSpPr>
           <p:nvPr>
-            <p:ph sz="quarter" idx="1"/>
+            <p:ph type="title"/>
           </p:nvPr>
         </p:nvSpPr>
         <p:spPr/>
@@ -8090,17 +8984,782 @@
           <a:bodyPr/>
           <a:lstStyle/>
           <a:p>
+            <a:pPr algn="ctr"/>
             <a:r>
-              <a:rPr lang="en-US" dirty="0" smtClean="0"/>
-              <a:t>We spent a whole day finding a solution to click on one particular element.</a:t>
+              <a:rPr lang="en-US" dirty="0"/>
+              <a:t>Page Object</a:t>
             </a:r>
           </a:p>
-          <a:p>
-            <a:endParaRPr lang="en-US" dirty="0"/>
-          </a:p>
-        </p:txBody>
-      </p:sp>
+        </p:txBody>
+      </p:sp>
+      <p:pic>
+        <p:nvPicPr>
+          <p:cNvPr id="4" name="Picture 3">
+            <a:extLst>
+              <a:ext uri="{FF2B5EF4-FFF2-40B4-BE49-F238E27FC236}">
+                <a16:creationId xmlns:a16="http://schemas.microsoft.com/office/drawing/2014/main" id="{FB855458-255C-42B1-CBAC-2EEC717AFE48}"/>
+              </a:ext>
+            </a:extLst>
+          </p:cNvPr>
+          <p:cNvPicPr>
+            <a:picLocks noChangeAspect="1"/>
+          </p:cNvPicPr>
+          <p:nvPr/>
+        </p:nvPicPr>
+        <p:blipFill rotWithShape="1">
+          <a:blip r:embed="rId2">
+            <a:extLst>
+              <a:ext uri="{28A0092B-C50C-407E-A947-70E740481C1C}">
+                <a14:useLocalDpi xmlns:a14="http://schemas.microsoft.com/office/drawing/2010/main" val="0"/>
+              </a:ext>
+            </a:extLst>
+          </a:blip>
+          <a:srcRect l="16974" t="8487" r="1661" b="7380"/>
+          <a:stretch/>
+        </p:blipFill>
+        <p:spPr>
+          <a:xfrm>
+            <a:off x="183148" y="1676400"/>
+            <a:ext cx="8122652" cy="4724400"/>
+          </a:xfrm>
+          <a:prstGeom prst="rect">
+            <a:avLst/>
+          </a:prstGeom>
+        </p:spPr>
+      </p:pic>
     </p:spTree>
+    <p:extLst>
+      <p:ext uri="{BB962C8B-B14F-4D97-AF65-F5344CB8AC3E}">
+        <p14:creationId xmlns:p14="http://schemas.microsoft.com/office/powerpoint/2010/main" val="3927403302"/>
+      </p:ext>
+    </p:extLst>
+  </p:cSld>
+  <p:clrMapOvr>
+    <a:masterClrMapping/>
+  </p:clrMapOvr>
+</p:sld>
+</file>
+
+<file path=ppt/slides/slide12.xml><?xml version="1.0" encoding="utf-8"?>
+<p:sld xmlns:a="http://schemas.openxmlformats.org/drawingml/2006/main" xmlns:r="http://schemas.openxmlformats.org/officeDocument/2006/relationships" xmlns:p="http://schemas.openxmlformats.org/presentationml/2006/main">
+  <p:cSld>
+    <p:spTree>
+      <p:nvGrpSpPr>
+        <p:cNvPr id="1" name=""/>
+        <p:cNvGrpSpPr/>
+        <p:nvPr/>
+      </p:nvGrpSpPr>
+      <p:grpSpPr>
+        <a:xfrm>
+          <a:off x="0" y="0"/>
+          <a:ext cx="0" cy="0"/>
+          <a:chOff x="0" y="0"/>
+          <a:chExt cx="0" cy="0"/>
+        </a:xfrm>
+      </p:grpSpPr>
+      <p:sp>
+        <p:nvSpPr>
+          <p:cNvPr id="2" name="Title 1">
+            <a:extLst>
+              <a:ext uri="{FF2B5EF4-FFF2-40B4-BE49-F238E27FC236}">
+                <a16:creationId xmlns:a16="http://schemas.microsoft.com/office/drawing/2014/main" id="{218FB219-6E7F-EF9C-ADC6-A53D16A39536}"/>
+              </a:ext>
+            </a:extLst>
+          </p:cNvPr>
+          <p:cNvSpPr>
+            <a:spLocks noGrp="1"/>
+          </p:cNvSpPr>
+          <p:nvPr>
+            <p:ph type="title"/>
+          </p:nvPr>
+        </p:nvSpPr>
+        <p:spPr/>
+        <p:txBody>
+          <a:bodyPr/>
+          <a:lstStyle/>
+          <a:p>
+            <a:pPr algn="ctr"/>
+            <a:r>
+              <a:rPr lang="en-US" dirty="0"/>
+              <a:t>Automation of Ordering a Drink</a:t>
+            </a:r>
+          </a:p>
+        </p:txBody>
+      </p:sp>
+      <p:pic>
+        <p:nvPicPr>
+          <p:cNvPr id="4" name="Picture 3" descr="Graphical user interface, text&#10;&#10;Description automatically generated">
+            <a:extLst>
+              <a:ext uri="{FF2B5EF4-FFF2-40B4-BE49-F238E27FC236}">
+                <a16:creationId xmlns:a16="http://schemas.microsoft.com/office/drawing/2014/main" id="{950B4956-B2C8-485F-64C0-9CAF3AF861FF}"/>
+              </a:ext>
+            </a:extLst>
+          </p:cNvPr>
+          <p:cNvPicPr>
+            <a:picLocks noChangeAspect="1"/>
+          </p:cNvPicPr>
+          <p:nvPr/>
+        </p:nvPicPr>
+        <p:blipFill rotWithShape="1">
+          <a:blip r:embed="rId2">
+            <a:extLst>
+              <a:ext uri="{28A0092B-C50C-407E-A947-70E740481C1C}">
+                <a14:useLocalDpi xmlns:a14="http://schemas.microsoft.com/office/drawing/2010/main" val="0"/>
+              </a:ext>
+            </a:extLst>
+          </a:blip>
+          <a:srcRect l="18003" t="13432" r="1400" b="8955"/>
+          <a:stretch/>
+        </p:blipFill>
+        <p:spPr>
+          <a:xfrm>
+            <a:off x="193432" y="1600200"/>
+            <a:ext cx="8581292" cy="4648200"/>
+          </a:xfrm>
+          <a:prstGeom prst="rect">
+            <a:avLst/>
+          </a:prstGeom>
+        </p:spPr>
+      </p:pic>
+    </p:spTree>
+    <p:extLst>
+      <p:ext uri="{BB962C8B-B14F-4D97-AF65-F5344CB8AC3E}">
+        <p14:creationId xmlns:p14="http://schemas.microsoft.com/office/powerpoint/2010/main" val="3667302998"/>
+      </p:ext>
+    </p:extLst>
+  </p:cSld>
+  <p:clrMapOvr>
+    <a:masterClrMapping/>
+  </p:clrMapOvr>
+</p:sld>
+</file>
+
+<file path=ppt/slides/slide13.xml><?xml version="1.0" encoding="utf-8"?>
+<p:sld xmlns:a="http://schemas.openxmlformats.org/drawingml/2006/main" xmlns:r="http://schemas.openxmlformats.org/officeDocument/2006/relationships" xmlns:p="http://schemas.openxmlformats.org/presentationml/2006/main">
+  <p:cSld>
+    <p:spTree>
+      <p:nvGrpSpPr>
+        <p:cNvPr id="1" name=""/>
+        <p:cNvGrpSpPr/>
+        <p:nvPr/>
+      </p:nvGrpSpPr>
+      <p:grpSpPr>
+        <a:xfrm>
+          <a:off x="0" y="0"/>
+          <a:ext cx="0" cy="0"/>
+          <a:chOff x="0" y="0"/>
+          <a:chExt cx="0" cy="0"/>
+        </a:xfrm>
+      </p:grpSpPr>
+      <p:sp>
+        <p:nvSpPr>
+          <p:cNvPr id="2" name="Title 1">
+            <a:extLst>
+              <a:ext uri="{FF2B5EF4-FFF2-40B4-BE49-F238E27FC236}">
+                <a16:creationId xmlns:a16="http://schemas.microsoft.com/office/drawing/2014/main" id="{435C98D5-9ADA-CEAF-FF48-E89656263684}"/>
+              </a:ext>
+            </a:extLst>
+          </p:cNvPr>
+          <p:cNvSpPr>
+            <a:spLocks noGrp="1"/>
+          </p:cNvSpPr>
+          <p:nvPr>
+            <p:ph type="title"/>
+          </p:nvPr>
+        </p:nvSpPr>
+        <p:spPr/>
+        <p:txBody>
+          <a:bodyPr/>
+          <a:lstStyle/>
+          <a:p>
+            <a:pPr algn="ctr"/>
+            <a:r>
+              <a:rPr lang="en-US" dirty="0"/>
+              <a:t>Bug #1: Incompatibility of Cup Sizes</a:t>
+            </a:r>
+          </a:p>
+        </p:txBody>
+      </p:sp>
+      <p:pic>
+        <p:nvPicPr>
+          <p:cNvPr id="4" name="Picture 3" descr="Graphical user interface, application&#10;&#10;Description automatically generated">
+            <a:extLst>
+              <a:ext uri="{FF2B5EF4-FFF2-40B4-BE49-F238E27FC236}">
+                <a16:creationId xmlns:a16="http://schemas.microsoft.com/office/drawing/2014/main" id="{D78BFCE7-68B8-1873-1625-1E88CC3046E7}"/>
+              </a:ext>
+            </a:extLst>
+          </p:cNvPr>
+          <p:cNvPicPr>
+            <a:picLocks noChangeAspect="1"/>
+          </p:cNvPicPr>
+          <p:nvPr/>
+        </p:nvPicPr>
+        <p:blipFill>
+          <a:blip r:embed="rId2">
+            <a:extLst>
+              <a:ext uri="{28A0092B-C50C-407E-A947-70E740481C1C}">
+                <a14:useLocalDpi xmlns:a14="http://schemas.microsoft.com/office/drawing/2010/main" val="0"/>
+              </a:ext>
+            </a:extLst>
+          </a:blip>
+          <a:stretch>
+            <a:fillRect/>
+          </a:stretch>
+        </p:blipFill>
+        <p:spPr>
+          <a:xfrm>
+            <a:off x="147752" y="1600200"/>
+            <a:ext cx="8528050" cy="4794687"/>
+          </a:xfrm>
+          <a:prstGeom prst="rect">
+            <a:avLst/>
+          </a:prstGeom>
+        </p:spPr>
+      </p:pic>
+    </p:spTree>
+    <p:extLst>
+      <p:ext uri="{BB962C8B-B14F-4D97-AF65-F5344CB8AC3E}">
+        <p14:creationId xmlns:p14="http://schemas.microsoft.com/office/powerpoint/2010/main" val="3143235344"/>
+      </p:ext>
+    </p:extLst>
+  </p:cSld>
+  <p:clrMapOvr>
+    <a:masterClrMapping/>
+  </p:clrMapOvr>
+</p:sld>
+</file>
+
+<file path=ppt/slides/slide14.xml><?xml version="1.0" encoding="utf-8"?>
+<p:sld xmlns:a="http://schemas.openxmlformats.org/drawingml/2006/main" xmlns:r="http://schemas.openxmlformats.org/officeDocument/2006/relationships" xmlns:p="http://schemas.openxmlformats.org/presentationml/2006/main">
+  <p:cSld>
+    <p:spTree>
+      <p:nvGrpSpPr>
+        <p:cNvPr id="1" name=""/>
+        <p:cNvGrpSpPr/>
+        <p:nvPr/>
+      </p:nvGrpSpPr>
+      <p:grpSpPr>
+        <a:xfrm>
+          <a:off x="0" y="0"/>
+          <a:ext cx="0" cy="0"/>
+          <a:chOff x="0" y="0"/>
+          <a:chExt cx="0" cy="0"/>
+        </a:xfrm>
+      </p:grpSpPr>
+      <p:sp>
+        <p:nvSpPr>
+          <p:cNvPr id="2" name="Title 1">
+            <a:extLst>
+              <a:ext uri="{FF2B5EF4-FFF2-40B4-BE49-F238E27FC236}">
+                <a16:creationId xmlns:a16="http://schemas.microsoft.com/office/drawing/2014/main" id="{269DFE31-CB46-57F5-DF9E-CE1519009338}"/>
+              </a:ext>
+            </a:extLst>
+          </p:cNvPr>
+          <p:cNvSpPr>
+            <a:spLocks noGrp="1"/>
+          </p:cNvSpPr>
+          <p:nvPr>
+            <p:ph type="title"/>
+          </p:nvPr>
+        </p:nvSpPr>
+        <p:spPr/>
+        <p:txBody>
+          <a:bodyPr/>
+          <a:lstStyle/>
+          <a:p>
+            <a:pPr algn="ctr"/>
+            <a:r>
+              <a:rPr lang="en-US" dirty="0"/>
+              <a:t>Bug #2: Multiple Flavors</a:t>
+            </a:r>
+          </a:p>
+        </p:txBody>
+      </p:sp>
+      <p:pic>
+        <p:nvPicPr>
+          <p:cNvPr id="8" name="Picture 7" descr="Graphical user interface, text, application&#10;&#10;Description automatically generated">
+            <a:extLst>
+              <a:ext uri="{FF2B5EF4-FFF2-40B4-BE49-F238E27FC236}">
+                <a16:creationId xmlns:a16="http://schemas.microsoft.com/office/drawing/2014/main" id="{6C0E5D17-E81B-988A-1DB5-56141C42C71C}"/>
+              </a:ext>
+            </a:extLst>
+          </p:cNvPr>
+          <p:cNvPicPr>
+            <a:picLocks noChangeAspect="1"/>
+          </p:cNvPicPr>
+          <p:nvPr/>
+        </p:nvPicPr>
+        <p:blipFill>
+          <a:blip r:embed="rId2">
+            <a:extLst>
+              <a:ext uri="{28A0092B-C50C-407E-A947-70E740481C1C}">
+                <a14:useLocalDpi xmlns:a14="http://schemas.microsoft.com/office/drawing/2010/main" val="0"/>
+              </a:ext>
+            </a:extLst>
+          </a:blip>
+          <a:stretch>
+            <a:fillRect/>
+          </a:stretch>
+        </p:blipFill>
+        <p:spPr>
+          <a:xfrm>
+            <a:off x="152400" y="1747398"/>
+            <a:ext cx="8534400" cy="4798257"/>
+          </a:xfrm>
+          <a:prstGeom prst="rect">
+            <a:avLst/>
+          </a:prstGeom>
+        </p:spPr>
+      </p:pic>
+    </p:spTree>
+    <p:extLst>
+      <p:ext uri="{BB962C8B-B14F-4D97-AF65-F5344CB8AC3E}">
+        <p14:creationId xmlns:p14="http://schemas.microsoft.com/office/powerpoint/2010/main" val="2510359705"/>
+      </p:ext>
+    </p:extLst>
+  </p:cSld>
+  <p:clrMapOvr>
+    <a:masterClrMapping/>
+  </p:clrMapOvr>
+</p:sld>
+</file>
+
+<file path=ppt/slides/slide15.xml><?xml version="1.0" encoding="utf-8"?>
+<p:sld xmlns:a="http://schemas.openxmlformats.org/drawingml/2006/main" xmlns:r="http://schemas.openxmlformats.org/officeDocument/2006/relationships" xmlns:p="http://schemas.openxmlformats.org/presentationml/2006/main">
+  <p:cSld>
+    <p:spTree>
+      <p:nvGrpSpPr>
+        <p:cNvPr id="1" name=""/>
+        <p:cNvGrpSpPr/>
+        <p:nvPr/>
+      </p:nvGrpSpPr>
+      <p:grpSpPr>
+        <a:xfrm>
+          <a:off x="0" y="0"/>
+          <a:ext cx="0" cy="0"/>
+          <a:chOff x="0" y="0"/>
+          <a:chExt cx="0" cy="0"/>
+        </a:xfrm>
+      </p:grpSpPr>
+      <p:sp>
+        <p:nvSpPr>
+          <p:cNvPr id="2" name="Title 1">
+            <a:extLst>
+              <a:ext uri="{FF2B5EF4-FFF2-40B4-BE49-F238E27FC236}">
+                <a16:creationId xmlns:a16="http://schemas.microsoft.com/office/drawing/2014/main" id="{D734422E-5CC1-51C4-1EAC-E2596092FE12}"/>
+              </a:ext>
+            </a:extLst>
+          </p:cNvPr>
+          <p:cNvSpPr>
+            <a:spLocks noGrp="1"/>
+          </p:cNvSpPr>
+          <p:nvPr>
+            <p:ph type="title"/>
+          </p:nvPr>
+        </p:nvSpPr>
+        <p:spPr/>
+        <p:txBody>
+          <a:bodyPr/>
+          <a:lstStyle/>
+          <a:p>
+            <a:pPr algn="ctr"/>
+            <a:r>
+              <a:rPr lang="en-US" dirty="0"/>
+              <a:t>Bug #3: Same Flavor with 50 Pumps</a:t>
+            </a:r>
+          </a:p>
+        </p:txBody>
+      </p:sp>
+      <p:pic>
+        <p:nvPicPr>
+          <p:cNvPr id="3" name="Picture 2">
+            <a:extLst>
+              <a:ext uri="{FF2B5EF4-FFF2-40B4-BE49-F238E27FC236}">
+                <a16:creationId xmlns:a16="http://schemas.microsoft.com/office/drawing/2014/main" id="{294441B4-E362-91F5-613C-9D4313629120}"/>
+              </a:ext>
+            </a:extLst>
+          </p:cNvPr>
+          <p:cNvPicPr>
+            <a:picLocks noChangeAspect="1"/>
+          </p:cNvPicPr>
+          <p:nvPr/>
+        </p:nvPicPr>
+        <p:blipFill>
+          <a:blip r:embed="rId2"/>
+          <a:stretch>
+            <a:fillRect/>
+          </a:stretch>
+        </p:blipFill>
+        <p:spPr>
+          <a:xfrm>
+            <a:off x="152400" y="1775629"/>
+            <a:ext cx="8610600" cy="4839156"/>
+          </a:xfrm>
+          <a:prstGeom prst="rect">
+            <a:avLst/>
+          </a:prstGeom>
+        </p:spPr>
+      </p:pic>
+    </p:spTree>
+    <p:extLst>
+      <p:ext uri="{BB962C8B-B14F-4D97-AF65-F5344CB8AC3E}">
+        <p14:creationId xmlns:p14="http://schemas.microsoft.com/office/powerpoint/2010/main" val="476817189"/>
+      </p:ext>
+    </p:extLst>
+  </p:cSld>
+  <p:clrMapOvr>
+    <a:masterClrMapping/>
+  </p:clrMapOvr>
+</p:sld>
+</file>
+
+<file path=ppt/slides/slide16.xml><?xml version="1.0" encoding="utf-8"?>
+<p:sld xmlns:a="http://schemas.openxmlformats.org/drawingml/2006/main" xmlns:r="http://schemas.openxmlformats.org/officeDocument/2006/relationships" xmlns:p="http://schemas.openxmlformats.org/presentationml/2006/main">
+  <p:cSld>
+    <p:spTree>
+      <p:nvGrpSpPr>
+        <p:cNvPr id="1" name=""/>
+        <p:cNvGrpSpPr/>
+        <p:nvPr/>
+      </p:nvGrpSpPr>
+      <p:grpSpPr>
+        <a:xfrm>
+          <a:off x="0" y="0"/>
+          <a:ext cx="0" cy="0"/>
+          <a:chOff x="0" y="0"/>
+          <a:chExt cx="0" cy="0"/>
+        </a:xfrm>
+      </p:grpSpPr>
+      <p:sp>
+        <p:nvSpPr>
+          <p:cNvPr id="2" name="Title 1">
+            <a:extLst>
+              <a:ext uri="{FF2B5EF4-FFF2-40B4-BE49-F238E27FC236}">
+                <a16:creationId xmlns:a16="http://schemas.microsoft.com/office/drawing/2014/main" id="{8A33DE35-CD96-F09A-A550-356CE5192DFB}"/>
+              </a:ext>
+            </a:extLst>
+          </p:cNvPr>
+          <p:cNvSpPr>
+            <a:spLocks noGrp="1"/>
+          </p:cNvSpPr>
+          <p:nvPr>
+            <p:ph type="title"/>
+          </p:nvPr>
+        </p:nvSpPr>
+        <p:spPr/>
+        <p:txBody>
+          <a:bodyPr/>
+          <a:lstStyle/>
+          <a:p>
+            <a:pPr algn="ctr"/>
+            <a:r>
+              <a:rPr lang="en-US" dirty="0"/>
+              <a:t>Data Driven Automation Test of Gift Card Functionality</a:t>
+            </a:r>
+          </a:p>
+        </p:txBody>
+      </p:sp>
+      <p:pic>
+        <p:nvPicPr>
+          <p:cNvPr id="4" name="Picture 3" descr="Graphical user interface, text, application&#10;&#10;Description automatically generated">
+            <a:extLst>
+              <a:ext uri="{FF2B5EF4-FFF2-40B4-BE49-F238E27FC236}">
+                <a16:creationId xmlns:a16="http://schemas.microsoft.com/office/drawing/2014/main" id="{0883196C-EAE6-2D8A-AEC7-23C834FADC0C}"/>
+              </a:ext>
+            </a:extLst>
+          </p:cNvPr>
+          <p:cNvPicPr>
+            <a:picLocks noChangeAspect="1"/>
+          </p:cNvPicPr>
+          <p:nvPr/>
+        </p:nvPicPr>
+        <p:blipFill rotWithShape="1">
+          <a:blip r:embed="rId2">
+            <a:extLst>
+              <a:ext uri="{28A0092B-C50C-407E-A947-70E740481C1C}">
+                <a14:useLocalDpi xmlns:a14="http://schemas.microsoft.com/office/drawing/2010/main" val="0"/>
+              </a:ext>
+            </a:extLst>
+          </a:blip>
+          <a:srcRect l="16667" t="7037" r="27500" b="7037"/>
+          <a:stretch/>
+        </p:blipFill>
+        <p:spPr>
+          <a:xfrm>
+            <a:off x="1219200" y="1524000"/>
+            <a:ext cx="5633544" cy="4876800"/>
+          </a:xfrm>
+          <a:prstGeom prst="rect">
+            <a:avLst/>
+          </a:prstGeom>
+        </p:spPr>
+      </p:pic>
+    </p:spTree>
+    <p:extLst>
+      <p:ext uri="{BB962C8B-B14F-4D97-AF65-F5344CB8AC3E}">
+        <p14:creationId xmlns:p14="http://schemas.microsoft.com/office/powerpoint/2010/main" val="3031501530"/>
+      </p:ext>
+    </p:extLst>
+  </p:cSld>
+  <p:clrMapOvr>
+    <a:masterClrMapping/>
+  </p:clrMapOvr>
+</p:sld>
+</file>
+
+<file path=ppt/slides/slide17.xml><?xml version="1.0" encoding="utf-8"?>
+<p:sld xmlns:a="http://schemas.openxmlformats.org/drawingml/2006/main" xmlns:r="http://schemas.openxmlformats.org/officeDocument/2006/relationships" xmlns:p="http://schemas.openxmlformats.org/presentationml/2006/main">
+  <p:cSld>
+    <p:spTree>
+      <p:nvGrpSpPr>
+        <p:cNvPr id="1" name=""/>
+        <p:cNvGrpSpPr/>
+        <p:nvPr/>
+      </p:nvGrpSpPr>
+      <p:grpSpPr>
+        <a:xfrm>
+          <a:off x="0" y="0"/>
+          <a:ext cx="0" cy="0"/>
+          <a:chOff x="0" y="0"/>
+          <a:chExt cx="0" cy="0"/>
+        </a:xfrm>
+      </p:grpSpPr>
+      <p:sp>
+        <p:nvSpPr>
+          <p:cNvPr id="2" name="Title 1"/>
+          <p:cNvSpPr>
+            <a:spLocks noGrp="1"/>
+          </p:cNvSpPr>
+          <p:nvPr>
+            <p:ph type="title"/>
+          </p:nvPr>
+        </p:nvSpPr>
+        <p:spPr/>
+        <p:txBody>
+          <a:bodyPr/>
+          <a:lstStyle/>
+          <a:p>
+            <a:pPr algn="ctr"/>
+            <a:r>
+              <a:rPr lang="en-US" dirty="0"/>
+              <a:t>GIT Repository</a:t>
+            </a:r>
+          </a:p>
+        </p:txBody>
+      </p:sp>
+      <p:pic>
+        <p:nvPicPr>
+          <p:cNvPr id="4" name="Picture 3" descr="A screenshot of a computer&#10;&#10;Description automatically generated">
+            <a:extLst>
+              <a:ext uri="{FF2B5EF4-FFF2-40B4-BE49-F238E27FC236}">
+                <a16:creationId xmlns:a16="http://schemas.microsoft.com/office/drawing/2014/main" id="{D6568A63-6D74-5B28-96D3-A6B01BCD4490}"/>
+              </a:ext>
+            </a:extLst>
+          </p:cNvPr>
+          <p:cNvPicPr>
+            <a:picLocks noChangeAspect="1"/>
+          </p:cNvPicPr>
+          <p:nvPr/>
+        </p:nvPicPr>
+        <p:blipFill rotWithShape="1">
+          <a:blip r:embed="rId2">
+            <a:extLst>
+              <a:ext uri="{28A0092B-C50C-407E-A947-70E740481C1C}">
+                <a14:useLocalDpi xmlns:a14="http://schemas.microsoft.com/office/drawing/2010/main" val="0"/>
+              </a:ext>
+            </a:extLst>
+          </a:blip>
+          <a:srcRect t="4075" r="29999" b="5555"/>
+          <a:stretch/>
+        </p:blipFill>
+        <p:spPr>
+          <a:xfrm>
+            <a:off x="914400" y="1417638"/>
+            <a:ext cx="6934200" cy="5035550"/>
+          </a:xfrm>
+          <a:prstGeom prst="rect">
+            <a:avLst/>
+          </a:prstGeom>
+        </p:spPr>
+      </p:pic>
+    </p:spTree>
+  </p:cSld>
+  <p:clrMapOvr>
+    <a:masterClrMapping/>
+  </p:clrMapOvr>
+</p:sld>
+</file>
+
+<file path=ppt/slides/slide18.xml><?xml version="1.0" encoding="utf-8"?>
+<p:sld xmlns:a="http://schemas.openxmlformats.org/drawingml/2006/main" xmlns:r="http://schemas.openxmlformats.org/officeDocument/2006/relationships" xmlns:p="http://schemas.openxmlformats.org/presentationml/2006/main">
+  <p:cSld>
+    <p:spTree>
+      <p:nvGrpSpPr>
+        <p:cNvPr id="1" name=""/>
+        <p:cNvGrpSpPr/>
+        <p:nvPr/>
+      </p:nvGrpSpPr>
+      <p:grpSpPr>
+        <a:xfrm>
+          <a:off x="0" y="0"/>
+          <a:ext cx="0" cy="0"/>
+          <a:chOff x="0" y="0"/>
+          <a:chExt cx="0" cy="0"/>
+        </a:xfrm>
+      </p:grpSpPr>
+      <p:sp>
+        <p:nvSpPr>
+          <p:cNvPr id="2" name="Title 1"/>
+          <p:cNvSpPr>
+            <a:spLocks noGrp="1"/>
+          </p:cNvSpPr>
+          <p:nvPr>
+            <p:ph type="title"/>
+          </p:nvPr>
+        </p:nvSpPr>
+        <p:spPr/>
+        <p:txBody>
+          <a:bodyPr/>
+          <a:lstStyle/>
+          <a:p>
+            <a:pPr algn="ctr"/>
+            <a:r>
+              <a:rPr lang="en-US" dirty="0"/>
+              <a:t>Jenkins Implementation</a:t>
+            </a:r>
+          </a:p>
+        </p:txBody>
+      </p:sp>
+      <p:pic>
+        <p:nvPicPr>
+          <p:cNvPr id="4" name="Picture 3" descr="Graphical user interface, text&#10;&#10;Description automatically generated">
+            <a:extLst>
+              <a:ext uri="{FF2B5EF4-FFF2-40B4-BE49-F238E27FC236}">
+                <a16:creationId xmlns:a16="http://schemas.microsoft.com/office/drawing/2014/main" id="{38718F5D-2862-BDC4-D38B-517570BBABA2}"/>
+              </a:ext>
+            </a:extLst>
+          </p:cNvPr>
+          <p:cNvPicPr>
+            <a:picLocks noChangeAspect="1"/>
+          </p:cNvPicPr>
+          <p:nvPr/>
+        </p:nvPicPr>
+        <p:blipFill rotWithShape="1">
+          <a:blip r:embed="rId2">
+            <a:extLst>
+              <a:ext uri="{28A0092B-C50C-407E-A947-70E740481C1C}">
+                <a14:useLocalDpi xmlns:a14="http://schemas.microsoft.com/office/drawing/2010/main" val="0"/>
+              </a:ext>
+            </a:extLst>
+          </a:blip>
+          <a:srcRect t="4051" r="28333" b="5534"/>
+          <a:stretch/>
+        </p:blipFill>
+        <p:spPr>
+          <a:xfrm>
+            <a:off x="914400" y="1600200"/>
+            <a:ext cx="6553200" cy="4648201"/>
+          </a:xfrm>
+          <a:prstGeom prst="rect">
+            <a:avLst/>
+          </a:prstGeom>
+        </p:spPr>
+      </p:pic>
+    </p:spTree>
+  </p:cSld>
+  <p:clrMapOvr>
+    <a:masterClrMapping/>
+  </p:clrMapOvr>
+</p:sld>
+</file>
+
+<file path=ppt/slides/slide19.xml><?xml version="1.0" encoding="utf-8"?>
+<p:sld xmlns:a="http://schemas.openxmlformats.org/drawingml/2006/main" xmlns:r="http://schemas.openxmlformats.org/officeDocument/2006/relationships" xmlns:p="http://schemas.openxmlformats.org/presentationml/2006/main">
+  <p:cSld>
+    <p:spTree>
+      <p:nvGrpSpPr>
+        <p:cNvPr id="1" name=""/>
+        <p:cNvGrpSpPr/>
+        <p:nvPr/>
+      </p:nvGrpSpPr>
+      <p:grpSpPr>
+        <a:xfrm>
+          <a:off x="0" y="0"/>
+          <a:ext cx="0" cy="0"/>
+          <a:chOff x="0" y="0"/>
+          <a:chExt cx="0" cy="0"/>
+        </a:xfrm>
+      </p:grpSpPr>
+      <p:sp>
+        <p:nvSpPr>
+          <p:cNvPr id="2" name="Title 1">
+            <a:extLst>
+              <a:ext uri="{FF2B5EF4-FFF2-40B4-BE49-F238E27FC236}">
+                <a16:creationId xmlns:a16="http://schemas.microsoft.com/office/drawing/2014/main" id="{1AB452EB-10A5-DAE3-D0B7-C89F12C6D222}"/>
+              </a:ext>
+            </a:extLst>
+          </p:cNvPr>
+          <p:cNvSpPr>
+            <a:spLocks noGrp="1"/>
+          </p:cNvSpPr>
+          <p:nvPr>
+            <p:ph type="title"/>
+          </p:nvPr>
+        </p:nvSpPr>
+        <p:spPr/>
+        <p:txBody>
+          <a:bodyPr/>
+          <a:lstStyle/>
+          <a:p>
+            <a:pPr algn="ctr"/>
+            <a:r>
+              <a:rPr lang="en-US" dirty="0"/>
+              <a:t>Jenkins Build History</a:t>
+            </a:r>
+          </a:p>
+        </p:txBody>
+      </p:sp>
+      <p:pic>
+        <p:nvPicPr>
+          <p:cNvPr id="4" name="Picture 3" descr="Graphical user interface, application, Word&#10;&#10;Description automatically generated">
+            <a:extLst>
+              <a:ext uri="{FF2B5EF4-FFF2-40B4-BE49-F238E27FC236}">
+                <a16:creationId xmlns:a16="http://schemas.microsoft.com/office/drawing/2014/main" id="{D4E4F7B3-A97F-B338-C151-90041EBF76CC}"/>
+              </a:ext>
+            </a:extLst>
+          </p:cNvPr>
+          <p:cNvPicPr>
+            <a:picLocks noChangeAspect="1"/>
+          </p:cNvPicPr>
+          <p:nvPr/>
+        </p:nvPicPr>
+        <p:blipFill rotWithShape="1">
+          <a:blip r:embed="rId2">
+            <a:extLst>
+              <a:ext uri="{28A0092B-C50C-407E-A947-70E740481C1C}">
+                <a14:useLocalDpi xmlns:a14="http://schemas.microsoft.com/office/drawing/2010/main" val="0"/>
+              </a:ext>
+            </a:extLst>
+          </a:blip>
+          <a:srcRect t="4699" r="42624" b="6208"/>
+          <a:stretch/>
+        </p:blipFill>
+        <p:spPr>
+          <a:xfrm>
+            <a:off x="1866208" y="1676400"/>
+            <a:ext cx="5411584" cy="4724400"/>
+          </a:xfrm>
+          <a:prstGeom prst="rect">
+            <a:avLst/>
+          </a:prstGeom>
+        </p:spPr>
+      </p:pic>
+    </p:spTree>
+    <p:extLst>
+      <p:ext uri="{BB962C8B-B14F-4D97-AF65-F5344CB8AC3E}">
+        <p14:creationId xmlns:p14="http://schemas.microsoft.com/office/powerpoint/2010/main" val="767466207"/>
+      </p:ext>
+    </p:extLst>
   </p:cSld>
   <p:clrMapOvr>
     <a:masterClrMapping/>
@@ -8127,28 +9786,124 @@
       </p:grpSpPr>
       <p:pic>
         <p:nvPicPr>
-          <p:cNvPr id="7" name="Picture 6" descr="selenium.png"/>
+          <p:cNvPr id="5" name="Picture 4" descr="Graphical user interface, application&#10;&#10;Description automatically generated">
+            <a:extLst>
+              <a:ext uri="{FF2B5EF4-FFF2-40B4-BE49-F238E27FC236}">
+                <a16:creationId xmlns:a16="http://schemas.microsoft.com/office/drawing/2014/main" id="{38E380E6-EC02-8B27-FC36-3AA3C5C775FF}"/>
+              </a:ext>
+            </a:extLst>
+          </p:cNvPr>
           <p:cNvPicPr>
             <a:picLocks noChangeAspect="1"/>
           </p:cNvPicPr>
           <p:nvPr/>
         </p:nvPicPr>
         <p:blipFill>
-          <a:blip r:embed="rId2"/>
+          <a:blip r:embed="rId2">
+            <a:extLst>
+              <a:ext uri="{28A0092B-C50C-407E-A947-70E740481C1C}">
+                <a14:useLocalDpi xmlns:a14="http://schemas.microsoft.com/office/drawing/2010/main" val="0"/>
+              </a:ext>
+            </a:extLst>
+          </a:blip>
           <a:stretch>
             <a:fillRect/>
           </a:stretch>
         </p:blipFill>
         <p:spPr>
           <a:xfrm>
-            <a:off x="5943600" y="228600"/>
-            <a:ext cx="1905000" cy="1481667"/>
+            <a:off x="16670" y="1752600"/>
+            <a:ext cx="9051129" cy="5091260"/>
           </a:xfrm>
           <a:prstGeom prst="rect">
             <a:avLst/>
           </a:prstGeom>
         </p:spPr>
       </p:pic>
+      <p:sp>
+        <p:nvSpPr>
+          <p:cNvPr id="6" name="Title 5">
+            <a:extLst>
+              <a:ext uri="{FF2B5EF4-FFF2-40B4-BE49-F238E27FC236}">
+                <a16:creationId xmlns:a16="http://schemas.microsoft.com/office/drawing/2014/main" id="{5AB52DF7-F246-1CBE-7291-63758799EC9A}"/>
+              </a:ext>
+            </a:extLst>
+          </p:cNvPr>
+          <p:cNvSpPr>
+            <a:spLocks noGrp="1"/>
+          </p:cNvSpPr>
+          <p:nvPr>
+            <p:ph type="title"/>
+          </p:nvPr>
+        </p:nvSpPr>
+        <p:spPr/>
+        <p:txBody>
+          <a:bodyPr/>
+          <a:lstStyle/>
+          <a:p>
+            <a:pPr algn="ctr"/>
+            <a:r>
+              <a:rPr lang="en-US" dirty="0"/>
+              <a:t>Starbucks.com Homepage</a:t>
+            </a:r>
+          </a:p>
+        </p:txBody>
+      </p:sp>
+      <p:sp>
+        <p:nvSpPr>
+          <p:cNvPr id="7" name="Content Placeholder 6">
+            <a:extLst>
+              <a:ext uri="{FF2B5EF4-FFF2-40B4-BE49-F238E27FC236}">
+                <a16:creationId xmlns:a16="http://schemas.microsoft.com/office/drawing/2014/main" id="{8E3B3DAD-8A4A-CA08-798E-B5E10DDDDB5A}"/>
+              </a:ext>
+            </a:extLst>
+          </p:cNvPr>
+          <p:cNvSpPr>
+            <a:spLocks noGrp="1"/>
+          </p:cNvSpPr>
+          <p:nvPr>
+            <p:ph sz="quarter" idx="1"/>
+          </p:nvPr>
+        </p:nvSpPr>
+        <p:spPr/>
+        <p:txBody>
+          <a:bodyPr/>
+          <a:lstStyle/>
+          <a:p>
+            <a:endParaRPr lang="en-US" dirty="0"/>
+          </a:p>
+        </p:txBody>
+      </p:sp>
+    </p:spTree>
+    <p:extLst>
+      <p:ext uri="{BB962C8B-B14F-4D97-AF65-F5344CB8AC3E}">
+        <p14:creationId xmlns:p14="http://schemas.microsoft.com/office/powerpoint/2010/main" val="1769091332"/>
+      </p:ext>
+    </p:extLst>
+  </p:cSld>
+  <p:clrMapOvr>
+    <a:masterClrMapping/>
+  </p:clrMapOvr>
+</p:sld>
+</file>
+
+<file path=ppt/slides/slide20.xml><?xml version="1.0" encoding="utf-8"?>
+<p:sld xmlns:a="http://schemas.openxmlformats.org/drawingml/2006/main" xmlns:r="http://schemas.openxmlformats.org/officeDocument/2006/relationships" xmlns:p="http://schemas.openxmlformats.org/presentationml/2006/main">
+  <p:cSld>
+    <p:spTree>
+      <p:nvGrpSpPr>
+        <p:cNvPr id="1" name=""/>
+        <p:cNvGrpSpPr/>
+        <p:nvPr/>
+      </p:nvGrpSpPr>
+      <p:grpSpPr>
+        <a:xfrm>
+          <a:off x="0" y="0"/>
+          <a:ext cx="0" cy="0"/>
+          <a:chOff x="0" y="0"/>
+          <a:chExt cx="0" cy="0"/>
+        </a:xfrm>
+      </p:grpSpPr>
       <p:sp>
         <p:nvSpPr>
           <p:cNvPr id="2" name="Title 1"/>
@@ -8164,11 +9919,11 @@
           <a:bodyPr/>
           <a:lstStyle/>
           <a:p>
+            <a:pPr algn="ctr"/>
             <a:r>
-              <a:rPr lang="en-US" dirty="0" smtClean="0"/>
-              <a:t>About Starbucks</a:t>
+              <a:rPr lang="en-US" dirty="0"/>
+              <a:t>Learning &amp; Challenges</a:t>
             </a:r>
-            <a:endParaRPr lang="en-US" dirty="0"/>
           </a:p>
         </p:txBody>
       </p:sp>
@@ -8184,28 +9939,48 @@
         </p:nvSpPr>
         <p:spPr/>
         <p:txBody>
-          <a:bodyPr>
-            <a:normAutofit/>
-          </a:bodyPr>
+          <a:bodyPr/>
           <a:lstStyle/>
           <a:p>
             <a:r>
-              <a:rPr lang="en-US" sz="3600" dirty="0" smtClean="0"/>
-              <a:t>Starbucks is the world’s largest coffee house chain.</a:t>
+              <a:rPr lang="en-US" dirty="0"/>
+              <a:t>Websites were detecting Selenium in our login attempts. So, we had to fix the internal code of Chromedriver.exe so that websites wouldn’t recognize we were using Selenium.</a:t>
             </a:r>
           </a:p>
           <a:p>
             <a:r>
-              <a:rPr lang="en-US" sz="3600" dirty="0" smtClean="0"/>
-              <a:t>Their headquarter is in Seattle, Washington.</a:t>
+              <a:rPr lang="en-US" dirty="0"/>
+              <a:t>Data Driven testing required us to use for loop to loop through multiple data rows.</a:t>
             </a:r>
           </a:p>
           <a:p>
             <a:r>
-              <a:rPr lang="en-US" sz="3600" dirty="0"/>
-              <a:t>As of November 2021, the company had 33,833 stores in 80 countries, 15,444 of which were located in the United States.</a:t>
+              <a:rPr lang="en-US" dirty="0"/>
+              <a:t>We spent a whole day finding a solution to click on one particular element.</a:t>
             </a:r>
-            <a:endParaRPr lang="en-US" sz="3600" dirty="0" smtClean="0"/>
+          </a:p>
+          <a:p>
+            <a:r>
+              <a:rPr lang="en-US" dirty="0"/>
+              <a:t>Jenkins didn’t compile “/div” </a:t>
+            </a:r>
+            <a:r>
+              <a:rPr lang="en-US" dirty="0" err="1"/>
+              <a:t>xpaths</a:t>
+            </a:r>
+            <a:r>
+              <a:rPr lang="en-US" dirty="0"/>
+              <a:t>.</a:t>
+            </a:r>
+          </a:p>
+          <a:p>
+            <a:r>
+              <a:rPr lang="en-US" dirty="0"/>
+              <a:t>Java versions conflict(17vs18).</a:t>
+            </a:r>
+          </a:p>
+          <a:p>
+            <a:endParaRPr lang="en-US" dirty="0"/>
           </a:p>
         </p:txBody>
       </p:sp>
@@ -8214,6 +9989,666 @@
   <p:clrMapOvr>
     <a:masterClrMapping/>
   </p:clrMapOvr>
+  <p:timing>
+    <p:tnLst>
+      <p:par>
+        <p:cTn id="1" dur="indefinite" restart="never" nodeType="tmRoot">
+          <p:childTnLst>
+            <p:seq concurrent="1" nextAc="seek">
+              <p:cTn id="2" dur="indefinite" nodeType="mainSeq">
+                <p:childTnLst>
+                  <p:par>
+                    <p:cTn id="3" fill="hold">
+                      <p:stCondLst>
+                        <p:cond delay="indefinite"/>
+                      </p:stCondLst>
+                      <p:childTnLst>
+                        <p:par>
+                          <p:cTn id="4" fill="hold">
+                            <p:stCondLst>
+                              <p:cond delay="0"/>
+                            </p:stCondLst>
+                            <p:childTnLst>
+                              <p:par>
+                                <p:cTn id="5" presetID="10" presetClass="entr" presetSubtype="0" fill="hold" nodeType="clickEffect">
+                                  <p:stCondLst>
+                                    <p:cond delay="0"/>
+                                  </p:stCondLst>
+                                  <p:childTnLst>
+                                    <p:set>
+                                      <p:cBhvr>
+                                        <p:cTn id="6" dur="1" fill="hold">
+                                          <p:stCondLst>
+                                            <p:cond delay="0"/>
+                                          </p:stCondLst>
+                                        </p:cTn>
+                                        <p:tgtEl>
+                                          <p:spTgt spid="3">
+                                            <p:txEl>
+                                              <p:pRg st="0" end="0"/>
+                                            </p:txEl>
+                                          </p:spTgt>
+                                        </p:tgtEl>
+                                        <p:attrNameLst>
+                                          <p:attrName>style.visibility</p:attrName>
+                                        </p:attrNameLst>
+                                      </p:cBhvr>
+                                      <p:to>
+                                        <p:strVal val="visible"/>
+                                      </p:to>
+                                    </p:set>
+                                    <p:animEffect transition="in" filter="fade">
+                                      <p:cBhvr>
+                                        <p:cTn id="7" dur="500"/>
+                                        <p:tgtEl>
+                                          <p:spTgt spid="3">
+                                            <p:txEl>
+                                              <p:pRg st="0" end="0"/>
+                                            </p:txEl>
+                                          </p:spTgt>
+                                        </p:tgtEl>
+                                      </p:cBhvr>
+                                    </p:animEffect>
+                                  </p:childTnLst>
+                                </p:cTn>
+                              </p:par>
+                              <p:par>
+                                <p:cTn id="8" presetID="10" presetClass="entr" presetSubtype="0" fill="hold" nodeType="withEffect">
+                                  <p:stCondLst>
+                                    <p:cond delay="0"/>
+                                  </p:stCondLst>
+                                  <p:childTnLst>
+                                    <p:set>
+                                      <p:cBhvr>
+                                        <p:cTn id="9" dur="1" fill="hold">
+                                          <p:stCondLst>
+                                            <p:cond delay="0"/>
+                                          </p:stCondLst>
+                                        </p:cTn>
+                                        <p:tgtEl>
+                                          <p:spTgt spid="3">
+                                            <p:txEl>
+                                              <p:pRg st="1" end="1"/>
+                                            </p:txEl>
+                                          </p:spTgt>
+                                        </p:tgtEl>
+                                        <p:attrNameLst>
+                                          <p:attrName>style.visibility</p:attrName>
+                                        </p:attrNameLst>
+                                      </p:cBhvr>
+                                      <p:to>
+                                        <p:strVal val="visible"/>
+                                      </p:to>
+                                    </p:set>
+                                    <p:animEffect transition="in" filter="fade">
+                                      <p:cBhvr>
+                                        <p:cTn id="10" dur="500"/>
+                                        <p:tgtEl>
+                                          <p:spTgt spid="3">
+                                            <p:txEl>
+                                              <p:pRg st="1" end="1"/>
+                                            </p:txEl>
+                                          </p:spTgt>
+                                        </p:tgtEl>
+                                      </p:cBhvr>
+                                    </p:animEffect>
+                                  </p:childTnLst>
+                                </p:cTn>
+                              </p:par>
+                              <p:par>
+                                <p:cTn id="11" presetID="10" presetClass="entr" presetSubtype="0" fill="hold" nodeType="withEffect">
+                                  <p:stCondLst>
+                                    <p:cond delay="0"/>
+                                  </p:stCondLst>
+                                  <p:childTnLst>
+                                    <p:set>
+                                      <p:cBhvr>
+                                        <p:cTn id="12" dur="1" fill="hold">
+                                          <p:stCondLst>
+                                            <p:cond delay="0"/>
+                                          </p:stCondLst>
+                                        </p:cTn>
+                                        <p:tgtEl>
+                                          <p:spTgt spid="3">
+                                            <p:txEl>
+                                              <p:pRg st="2" end="2"/>
+                                            </p:txEl>
+                                          </p:spTgt>
+                                        </p:tgtEl>
+                                        <p:attrNameLst>
+                                          <p:attrName>style.visibility</p:attrName>
+                                        </p:attrNameLst>
+                                      </p:cBhvr>
+                                      <p:to>
+                                        <p:strVal val="visible"/>
+                                      </p:to>
+                                    </p:set>
+                                    <p:animEffect transition="in" filter="fade">
+                                      <p:cBhvr>
+                                        <p:cTn id="13" dur="500"/>
+                                        <p:tgtEl>
+                                          <p:spTgt spid="3">
+                                            <p:txEl>
+                                              <p:pRg st="2" end="2"/>
+                                            </p:txEl>
+                                          </p:spTgt>
+                                        </p:tgtEl>
+                                      </p:cBhvr>
+                                    </p:animEffect>
+                                  </p:childTnLst>
+                                </p:cTn>
+                              </p:par>
+                              <p:par>
+                                <p:cTn id="14" presetID="10" presetClass="entr" presetSubtype="0" fill="hold" nodeType="withEffect">
+                                  <p:stCondLst>
+                                    <p:cond delay="0"/>
+                                  </p:stCondLst>
+                                  <p:childTnLst>
+                                    <p:set>
+                                      <p:cBhvr>
+                                        <p:cTn id="15" dur="1" fill="hold">
+                                          <p:stCondLst>
+                                            <p:cond delay="0"/>
+                                          </p:stCondLst>
+                                        </p:cTn>
+                                        <p:tgtEl>
+                                          <p:spTgt spid="3">
+                                            <p:txEl>
+                                              <p:pRg st="3" end="3"/>
+                                            </p:txEl>
+                                          </p:spTgt>
+                                        </p:tgtEl>
+                                        <p:attrNameLst>
+                                          <p:attrName>style.visibility</p:attrName>
+                                        </p:attrNameLst>
+                                      </p:cBhvr>
+                                      <p:to>
+                                        <p:strVal val="visible"/>
+                                      </p:to>
+                                    </p:set>
+                                    <p:animEffect transition="in" filter="fade">
+                                      <p:cBhvr>
+                                        <p:cTn id="16" dur="500"/>
+                                        <p:tgtEl>
+                                          <p:spTgt spid="3">
+                                            <p:txEl>
+                                              <p:pRg st="3" end="3"/>
+                                            </p:txEl>
+                                          </p:spTgt>
+                                        </p:tgtEl>
+                                      </p:cBhvr>
+                                    </p:animEffect>
+                                  </p:childTnLst>
+                                </p:cTn>
+                              </p:par>
+                              <p:par>
+                                <p:cTn id="17" presetID="10" presetClass="entr" presetSubtype="0" fill="hold" nodeType="withEffect">
+                                  <p:stCondLst>
+                                    <p:cond delay="0"/>
+                                  </p:stCondLst>
+                                  <p:childTnLst>
+                                    <p:set>
+                                      <p:cBhvr>
+                                        <p:cTn id="18" dur="1" fill="hold">
+                                          <p:stCondLst>
+                                            <p:cond delay="0"/>
+                                          </p:stCondLst>
+                                        </p:cTn>
+                                        <p:tgtEl>
+                                          <p:spTgt spid="3">
+                                            <p:txEl>
+                                              <p:pRg st="4" end="4"/>
+                                            </p:txEl>
+                                          </p:spTgt>
+                                        </p:tgtEl>
+                                        <p:attrNameLst>
+                                          <p:attrName>style.visibility</p:attrName>
+                                        </p:attrNameLst>
+                                      </p:cBhvr>
+                                      <p:to>
+                                        <p:strVal val="visible"/>
+                                      </p:to>
+                                    </p:set>
+                                    <p:animEffect transition="in" filter="fade">
+                                      <p:cBhvr>
+                                        <p:cTn id="19" dur="500"/>
+                                        <p:tgtEl>
+                                          <p:spTgt spid="3">
+                                            <p:txEl>
+                                              <p:pRg st="4" end="4"/>
+                                            </p:txEl>
+                                          </p:spTgt>
+                                        </p:tgtEl>
+                                      </p:cBhvr>
+                                    </p:animEffect>
+                                  </p:childTnLst>
+                                </p:cTn>
+                              </p:par>
+                            </p:childTnLst>
+                          </p:cTn>
+                        </p:par>
+                      </p:childTnLst>
+                    </p:cTn>
+                  </p:par>
+                </p:childTnLst>
+              </p:cTn>
+              <p:prevCondLst>
+                <p:cond evt="onPrev" delay="0">
+                  <p:tgtEl>
+                    <p:sldTgt/>
+                  </p:tgtEl>
+                </p:cond>
+              </p:prevCondLst>
+              <p:nextCondLst>
+                <p:cond evt="onNext" delay="0">
+                  <p:tgtEl>
+                    <p:sldTgt/>
+                  </p:tgtEl>
+                </p:cond>
+              </p:nextCondLst>
+            </p:seq>
+          </p:childTnLst>
+        </p:cTn>
+      </p:par>
+    </p:tnLst>
+  </p:timing>
+</p:sld>
+</file>
+
+<file path=ppt/slides/slide21.xml><?xml version="1.0" encoding="utf-8"?>
+<p:sld xmlns:a="http://schemas.openxmlformats.org/drawingml/2006/main" xmlns:r="http://schemas.openxmlformats.org/officeDocument/2006/relationships" xmlns:p="http://schemas.openxmlformats.org/presentationml/2006/main">
+  <p:cSld>
+    <p:spTree>
+      <p:nvGrpSpPr>
+        <p:cNvPr id="1" name=""/>
+        <p:cNvGrpSpPr/>
+        <p:nvPr/>
+      </p:nvGrpSpPr>
+      <p:grpSpPr>
+        <a:xfrm>
+          <a:off x="0" y="0"/>
+          <a:ext cx="0" cy="0"/>
+          <a:chOff x="0" y="0"/>
+          <a:chExt cx="0" cy="0"/>
+        </a:xfrm>
+      </p:grpSpPr>
+      <p:pic>
+        <p:nvPicPr>
+          <p:cNvPr id="5" name="Picture 4" descr="A picture containing company name&#10;&#10;Description automatically generated">
+            <a:extLst>
+              <a:ext uri="{FF2B5EF4-FFF2-40B4-BE49-F238E27FC236}">
+                <a16:creationId xmlns:a16="http://schemas.microsoft.com/office/drawing/2014/main" id="{619E6038-C993-9D50-63F2-7EBC2F1A4607}"/>
+              </a:ext>
+            </a:extLst>
+          </p:cNvPr>
+          <p:cNvPicPr>
+            <a:picLocks noChangeAspect="1"/>
+          </p:cNvPicPr>
+          <p:nvPr/>
+        </p:nvPicPr>
+        <p:blipFill>
+          <a:blip r:embed="rId2">
+            <a:extLst>
+              <a:ext uri="{28A0092B-C50C-407E-A947-70E740481C1C}">
+                <a14:useLocalDpi xmlns:a14="http://schemas.microsoft.com/office/drawing/2010/main" val="0"/>
+              </a:ext>
+            </a:extLst>
+          </a:blip>
+          <a:stretch>
+            <a:fillRect/>
+          </a:stretch>
+        </p:blipFill>
+        <p:spPr>
+          <a:xfrm>
+            <a:off x="76199" y="417742"/>
+            <a:ext cx="8705157" cy="5830658"/>
+          </a:xfrm>
+          <a:prstGeom prst="rect">
+            <a:avLst/>
+          </a:prstGeom>
+        </p:spPr>
+      </p:pic>
+      <p:sp>
+        <p:nvSpPr>
+          <p:cNvPr id="8" name="Rectangle 7">
+            <a:extLst>
+              <a:ext uri="{FF2B5EF4-FFF2-40B4-BE49-F238E27FC236}">
+                <a16:creationId xmlns:a16="http://schemas.microsoft.com/office/drawing/2014/main" id="{6C1791D0-9604-71B2-1730-D5F6D1B8F92F}"/>
+              </a:ext>
+            </a:extLst>
+          </p:cNvPr>
+          <p:cNvSpPr/>
+          <p:nvPr/>
+        </p:nvSpPr>
+        <p:spPr>
+          <a:xfrm>
+            <a:off x="304800" y="304801"/>
+            <a:ext cx="2590800" cy="1754326"/>
+          </a:xfrm>
+          <a:prstGeom prst="rect">
+            <a:avLst/>
+          </a:prstGeom>
+          <a:noFill/>
+        </p:spPr>
+        <p:txBody>
+          <a:bodyPr wrap="square" lIns="91440" tIns="45720" rIns="91440" bIns="45720">
+            <a:spAutoFit/>
+          </a:bodyPr>
+          <a:lstStyle/>
+          <a:p>
+            <a:pPr algn="ctr"/>
+            <a:r>
+              <a:rPr lang="en-US" sz="5400" dirty="0">
+                <a:ln w="0"/>
+                <a:solidFill>
+                  <a:schemeClr val="bg2">
+                    <a:lumMod val="75000"/>
+                  </a:schemeClr>
+                </a:solidFill>
+                <a:effectLst>
+                  <a:reflection blurRad="6350" stA="53000" endA="300" endPos="35500" dir="5400000" sy="-90000" algn="bl" rotWithShape="0"/>
+                </a:effectLst>
+              </a:rPr>
+              <a:t>Tushar</a:t>
+            </a:r>
+          </a:p>
+          <a:p>
+            <a:pPr algn="ctr"/>
+            <a:r>
+              <a:rPr lang="en-US" sz="5400" dirty="0">
+                <a:ln w="0"/>
+                <a:solidFill>
+                  <a:schemeClr val="bg2">
+                    <a:lumMod val="75000"/>
+                  </a:schemeClr>
+                </a:solidFill>
+                <a:effectLst>
+                  <a:reflection blurRad="6350" stA="53000" endA="300" endPos="35500" dir="5400000" sy="-90000" algn="bl" rotWithShape="0"/>
+                </a:effectLst>
+              </a:rPr>
+              <a:t>Patel</a:t>
+            </a:r>
+          </a:p>
+        </p:txBody>
+      </p:sp>
+      <p:sp>
+        <p:nvSpPr>
+          <p:cNvPr id="9" name="Rectangle 8">
+            <a:extLst>
+              <a:ext uri="{FF2B5EF4-FFF2-40B4-BE49-F238E27FC236}">
+                <a16:creationId xmlns:a16="http://schemas.microsoft.com/office/drawing/2014/main" id="{66DF7D0F-E43F-B38B-6AF1-F8E6AF3E1422}"/>
+              </a:ext>
+            </a:extLst>
+          </p:cNvPr>
+          <p:cNvSpPr/>
+          <p:nvPr/>
+        </p:nvSpPr>
+        <p:spPr>
+          <a:xfrm>
+            <a:off x="5147324" y="303482"/>
+            <a:ext cx="3838280" cy="1754326"/>
+          </a:xfrm>
+          <a:prstGeom prst="rect">
+            <a:avLst/>
+          </a:prstGeom>
+          <a:noFill/>
+        </p:spPr>
+        <p:txBody>
+          <a:bodyPr wrap="square" lIns="91440" tIns="45720" rIns="91440" bIns="45720">
+            <a:spAutoFit/>
+          </a:bodyPr>
+          <a:lstStyle/>
+          <a:p>
+            <a:pPr algn="ctr"/>
+            <a:r>
+              <a:rPr lang="en-US" sz="5400" b="0" cap="none" spc="0" dirty="0">
+                <a:ln w="0"/>
+                <a:solidFill>
+                  <a:srgbClr val="0070C0"/>
+                </a:solidFill>
+                <a:effectLst>
+                  <a:reflection blurRad="6350" stA="53000" endA="300" endPos="35500" dir="5400000" sy="-90000" algn="bl" rotWithShape="0"/>
+                </a:effectLst>
+              </a:rPr>
+              <a:t>IT Expert System</a:t>
+            </a:r>
+          </a:p>
+        </p:txBody>
+      </p:sp>
+    </p:spTree>
+    <p:extLst>
+      <p:ext uri="{BB962C8B-B14F-4D97-AF65-F5344CB8AC3E}">
+        <p14:creationId xmlns:p14="http://schemas.microsoft.com/office/powerpoint/2010/main" val="1602676678"/>
+      </p:ext>
+    </p:extLst>
+  </p:cSld>
+  <p:clrMapOvr>
+    <a:masterClrMapping/>
+  </p:clrMapOvr>
+  <p:timing>
+    <p:tnLst>
+      <p:par>
+        <p:cTn id="1" dur="indefinite" restart="never" nodeType="tmRoot">
+          <p:childTnLst>
+            <p:seq concurrent="1" nextAc="seek">
+              <p:cTn id="2" dur="indefinite" nodeType="mainSeq">
+                <p:childTnLst>
+                  <p:par>
+                    <p:cTn id="3" fill="hold">
+                      <p:stCondLst>
+                        <p:cond delay="indefinite"/>
+                      </p:stCondLst>
+                      <p:childTnLst>
+                        <p:par>
+                          <p:cTn id="4" fill="hold">
+                            <p:stCondLst>
+                              <p:cond delay="0"/>
+                            </p:stCondLst>
+                            <p:childTnLst>
+                              <p:par>
+                                <p:cTn id="5" presetID="2" presetClass="entr" presetSubtype="4" fill="hold" grpId="0" nodeType="clickEffect">
+                                  <p:stCondLst>
+                                    <p:cond delay="0"/>
+                                  </p:stCondLst>
+                                  <p:childTnLst>
+                                    <p:set>
+                                      <p:cBhvr>
+                                        <p:cTn id="6" dur="1" fill="hold">
+                                          <p:stCondLst>
+                                            <p:cond delay="0"/>
+                                          </p:stCondLst>
+                                        </p:cTn>
+                                        <p:tgtEl>
+                                          <p:spTgt spid="8"/>
+                                        </p:tgtEl>
+                                        <p:attrNameLst>
+                                          <p:attrName>style.visibility</p:attrName>
+                                        </p:attrNameLst>
+                                      </p:cBhvr>
+                                      <p:to>
+                                        <p:strVal val="visible"/>
+                                      </p:to>
+                                    </p:set>
+                                    <p:anim calcmode="lin" valueType="num">
+                                      <p:cBhvr additive="base">
+                                        <p:cTn id="7" dur="500" fill="hold"/>
+                                        <p:tgtEl>
+                                          <p:spTgt spid="8"/>
+                                        </p:tgtEl>
+                                        <p:attrNameLst>
+                                          <p:attrName>ppt_x</p:attrName>
+                                        </p:attrNameLst>
+                                      </p:cBhvr>
+                                      <p:tavLst>
+                                        <p:tav tm="0">
+                                          <p:val>
+                                            <p:strVal val="#ppt_x"/>
+                                          </p:val>
+                                        </p:tav>
+                                        <p:tav tm="100000">
+                                          <p:val>
+                                            <p:strVal val="#ppt_x"/>
+                                          </p:val>
+                                        </p:tav>
+                                      </p:tavLst>
+                                    </p:anim>
+                                    <p:anim calcmode="lin" valueType="num">
+                                      <p:cBhvr additive="base">
+                                        <p:cTn id="8" dur="500" fill="hold"/>
+                                        <p:tgtEl>
+                                          <p:spTgt spid="8"/>
+                                        </p:tgtEl>
+                                        <p:attrNameLst>
+                                          <p:attrName>ppt_y</p:attrName>
+                                        </p:attrNameLst>
+                                      </p:cBhvr>
+                                      <p:tavLst>
+                                        <p:tav tm="0">
+                                          <p:val>
+                                            <p:strVal val="1+#ppt_h/2"/>
+                                          </p:val>
+                                        </p:tav>
+                                        <p:tav tm="100000">
+                                          <p:val>
+                                            <p:strVal val="#ppt_y"/>
+                                          </p:val>
+                                        </p:tav>
+                                      </p:tavLst>
+                                    </p:anim>
+                                  </p:childTnLst>
+                                </p:cTn>
+                              </p:par>
+                            </p:childTnLst>
+                          </p:cTn>
+                        </p:par>
+                      </p:childTnLst>
+                    </p:cTn>
+                  </p:par>
+                  <p:par>
+                    <p:cTn id="9" fill="hold">
+                      <p:stCondLst>
+                        <p:cond delay="indefinite"/>
+                      </p:stCondLst>
+                      <p:childTnLst>
+                        <p:par>
+                          <p:cTn id="10" fill="hold">
+                            <p:stCondLst>
+                              <p:cond delay="0"/>
+                            </p:stCondLst>
+                            <p:childTnLst>
+                              <p:par>
+                                <p:cTn id="11" presetID="42" presetClass="entr" presetSubtype="0" fill="hold" grpId="0" nodeType="clickEffect">
+                                  <p:stCondLst>
+                                    <p:cond delay="0"/>
+                                  </p:stCondLst>
+                                  <p:childTnLst>
+                                    <p:set>
+                                      <p:cBhvr>
+                                        <p:cTn id="12" dur="1" fill="hold">
+                                          <p:stCondLst>
+                                            <p:cond delay="0"/>
+                                          </p:stCondLst>
+                                        </p:cTn>
+                                        <p:tgtEl>
+                                          <p:spTgt spid="9"/>
+                                        </p:tgtEl>
+                                        <p:attrNameLst>
+                                          <p:attrName>style.visibility</p:attrName>
+                                        </p:attrNameLst>
+                                      </p:cBhvr>
+                                      <p:to>
+                                        <p:strVal val="visible"/>
+                                      </p:to>
+                                    </p:set>
+                                    <p:animEffect transition="in" filter="fade">
+                                      <p:cBhvr>
+                                        <p:cTn id="13" dur="1000"/>
+                                        <p:tgtEl>
+                                          <p:spTgt spid="9"/>
+                                        </p:tgtEl>
+                                      </p:cBhvr>
+                                    </p:animEffect>
+                                    <p:anim calcmode="lin" valueType="num">
+                                      <p:cBhvr>
+                                        <p:cTn id="14" dur="1000" fill="hold"/>
+                                        <p:tgtEl>
+                                          <p:spTgt spid="9"/>
+                                        </p:tgtEl>
+                                        <p:attrNameLst>
+                                          <p:attrName>ppt_x</p:attrName>
+                                        </p:attrNameLst>
+                                      </p:cBhvr>
+                                      <p:tavLst>
+                                        <p:tav tm="0">
+                                          <p:val>
+                                            <p:strVal val="#ppt_x"/>
+                                          </p:val>
+                                        </p:tav>
+                                        <p:tav tm="100000">
+                                          <p:val>
+                                            <p:strVal val="#ppt_x"/>
+                                          </p:val>
+                                        </p:tav>
+                                      </p:tavLst>
+                                    </p:anim>
+                                    <p:anim calcmode="lin" valueType="num">
+                                      <p:cBhvr>
+                                        <p:cTn id="15" dur="1000" fill="hold"/>
+                                        <p:tgtEl>
+                                          <p:spTgt spid="9"/>
+                                        </p:tgtEl>
+                                        <p:attrNameLst>
+                                          <p:attrName>ppt_y</p:attrName>
+                                        </p:attrNameLst>
+                                      </p:cBhvr>
+                                      <p:tavLst>
+                                        <p:tav tm="0">
+                                          <p:val>
+                                            <p:strVal val="#ppt_y+.1"/>
+                                          </p:val>
+                                        </p:tav>
+                                        <p:tav tm="100000">
+                                          <p:val>
+                                            <p:strVal val="#ppt_y"/>
+                                          </p:val>
+                                        </p:tav>
+                                      </p:tavLst>
+                                    </p:anim>
+                                  </p:childTnLst>
+                                </p:cTn>
+                              </p:par>
+                            </p:childTnLst>
+                          </p:cTn>
+                        </p:par>
+                      </p:childTnLst>
+                    </p:cTn>
+                  </p:par>
+                </p:childTnLst>
+              </p:cTn>
+              <p:prevCondLst>
+                <p:cond evt="onPrev" delay="0">
+                  <p:tgtEl>
+                    <p:sldTgt/>
+                  </p:tgtEl>
+                </p:cond>
+              </p:prevCondLst>
+              <p:nextCondLst>
+                <p:cond evt="onNext" delay="0">
+                  <p:tgtEl>
+                    <p:sldTgt/>
+                  </p:tgtEl>
+                </p:cond>
+              </p:nextCondLst>
+            </p:seq>
+          </p:childTnLst>
+        </p:cTn>
+      </p:par>
+    </p:tnLst>
+    <p:bldLst>
+      <p:bldP spid="8" grpId="0"/>
+      <p:bldP spid="9" grpId="0"/>
+    </p:bldLst>
+  </p:timing>
 </p:sld>
 </file>
 
@@ -8236,7 +10671,7 @@
       </p:grpSpPr>
       <p:sp>
         <p:nvSpPr>
-          <p:cNvPr id="3" name="Title 2"/>
+          <p:cNvPr id="2" name="Title 1"/>
           <p:cNvSpPr>
             <a:spLocks noGrp="1"/>
           </p:cNvSpPr>
@@ -8249,17 +10684,17 @@
           <a:bodyPr/>
           <a:lstStyle/>
           <a:p>
+            <a:pPr algn="ctr"/>
             <a:r>
-              <a:rPr smtClean="0"/>
-              <a:t>Test Agenda</a:t>
+              <a:rPr lang="en-US" dirty="0"/>
+              <a:t>About Starbucks</a:t>
             </a:r>
-            <a:endParaRPr lang="en-US" dirty="0"/>
-          </a:p>
-        </p:txBody>
-      </p:sp>
-      <p:sp>
-        <p:nvSpPr>
-          <p:cNvPr id="2" name="Content Placeholder 1"/>
+          </a:p>
+        </p:txBody>
+      </p:sp>
+      <p:sp>
+        <p:nvSpPr>
+          <p:cNvPr id="3" name="Content Placeholder 2"/>
           <p:cNvSpPr>
             <a:spLocks noGrp="1"/>
           </p:cNvSpPr>
@@ -8270,79 +10705,26 @@
         <p:spPr/>
         <p:txBody>
           <a:bodyPr>
-            <a:normAutofit lnSpcReduction="10000"/>
+            <a:normAutofit/>
           </a:bodyPr>
           <a:lstStyle/>
           <a:p>
             <a:r>
-              <a:rPr lang="en-US" sz="2800" dirty="0" smtClean="0"/>
-              <a:t>Application Overview</a:t>
+              <a:rPr lang="en-US" sz="3600" dirty="0"/>
+              <a:t>Starbucks is the world’s largest coffee house chain.</a:t>
             </a:r>
           </a:p>
           <a:p>
             <a:r>
-              <a:rPr lang="en-US" sz="2800" dirty="0" smtClean="0"/>
-              <a:t>Tools &amp; Technologies Used</a:t>
+              <a:rPr lang="en-US" sz="3600" dirty="0"/>
+              <a:t>Their headquarter is in Seattle, Washington.</a:t>
             </a:r>
           </a:p>
           <a:p>
             <a:r>
-              <a:rPr lang="en-US" sz="2800" dirty="0" smtClean="0"/>
-              <a:t>Test Plan</a:t>
+              <a:rPr lang="en-US" sz="3600" dirty="0"/>
+              <a:t>As of November 2021, the company had 33,833 stores in 80 countries, 15,444 of which were located in the United States.</a:t>
             </a:r>
-          </a:p>
-          <a:p>
-            <a:r>
-              <a:rPr lang="en-US" sz="2800" dirty="0" smtClean="0"/>
-              <a:t>Test Data &amp; Test Cases</a:t>
-            </a:r>
-          </a:p>
-          <a:p>
-            <a:r>
-              <a:rPr lang="en-US" sz="2800" dirty="0" smtClean="0"/>
-              <a:t>Automation in </a:t>
-            </a:r>
-            <a:r>
-              <a:rPr lang="en-US" sz="2800" dirty="0" err="1" smtClean="0"/>
-              <a:t>NetBeans</a:t>
-            </a:r>
-            <a:endParaRPr lang="en-US" sz="2800" dirty="0" smtClean="0"/>
-          </a:p>
-          <a:p>
-            <a:r>
-              <a:rPr lang="en-US" sz="2800" dirty="0" smtClean="0"/>
-              <a:t>GIT Repository</a:t>
-            </a:r>
-          </a:p>
-          <a:p>
-            <a:r>
-              <a:rPr lang="en-US" sz="2800" dirty="0" smtClean="0"/>
-              <a:t>Jenkins Implementation</a:t>
-            </a:r>
-          </a:p>
-          <a:p>
-            <a:r>
-              <a:rPr lang="en-US" sz="2800" dirty="0" smtClean="0"/>
-              <a:t>Learning &amp; Challenges</a:t>
-            </a:r>
-          </a:p>
-          <a:p>
-            <a:r>
-              <a:rPr lang="en-US" sz="2800" dirty="0" smtClean="0"/>
-              <a:t>Live Demo</a:t>
-            </a:r>
-          </a:p>
-          <a:p>
-            <a:r>
-              <a:rPr lang="en-US" sz="2800" dirty="0" smtClean="0"/>
-              <a:t>Bug Report</a:t>
-            </a:r>
-          </a:p>
-          <a:p>
-            <a:pPr>
-              <a:buNone/>
-            </a:pPr>
-            <a:endParaRPr lang="en-US" sz="2800" dirty="0" smtClean="0"/>
           </a:p>
         </p:txBody>
       </p:sp>
@@ -8355,6 +10737,278 @@
 </file>
 
 <file path=ppt/slides/slide4.xml><?xml version="1.0" encoding="utf-8"?>
+<p:sld xmlns:a="http://schemas.openxmlformats.org/drawingml/2006/main" xmlns:r="http://schemas.openxmlformats.org/officeDocument/2006/relationships" xmlns:p="http://schemas.openxmlformats.org/presentationml/2006/main">
+  <p:cSld>
+    <p:spTree>
+      <p:nvGrpSpPr>
+        <p:cNvPr id="1" name=""/>
+        <p:cNvGrpSpPr/>
+        <p:nvPr/>
+      </p:nvGrpSpPr>
+      <p:grpSpPr>
+        <a:xfrm>
+          <a:off x="0" y="0"/>
+          <a:ext cx="0" cy="0"/>
+          <a:chOff x="0" y="0"/>
+          <a:chExt cx="0" cy="0"/>
+        </a:xfrm>
+      </p:grpSpPr>
+      <p:sp>
+        <p:nvSpPr>
+          <p:cNvPr id="2" name="Title 1">
+            <a:extLst>
+              <a:ext uri="{FF2B5EF4-FFF2-40B4-BE49-F238E27FC236}">
+                <a16:creationId xmlns:a16="http://schemas.microsoft.com/office/drawing/2014/main" id="{FE380AFE-6306-F1CB-A0D8-0593720F24EF}"/>
+              </a:ext>
+            </a:extLst>
+          </p:cNvPr>
+          <p:cNvSpPr>
+            <a:spLocks noGrp="1"/>
+          </p:cNvSpPr>
+          <p:nvPr>
+            <p:ph type="title"/>
+          </p:nvPr>
+        </p:nvSpPr>
+        <p:spPr/>
+        <p:txBody>
+          <a:bodyPr/>
+          <a:lstStyle/>
+          <a:p>
+            <a:pPr algn="ctr"/>
+            <a:r>
+              <a:rPr lang="en-US" dirty="0"/>
+              <a:t>Starbucks Marketing Strategy</a:t>
+            </a:r>
+          </a:p>
+        </p:txBody>
+      </p:sp>
+      <p:pic>
+        <p:nvPicPr>
+          <p:cNvPr id="5" name="Content Placeholder 4" descr="A picture containing pie chart&#10;&#10;Description automatically generated">
+            <a:extLst>
+              <a:ext uri="{FF2B5EF4-FFF2-40B4-BE49-F238E27FC236}">
+                <a16:creationId xmlns:a16="http://schemas.microsoft.com/office/drawing/2014/main" id="{3A749A90-E9D0-0627-C5F1-68F875B4AF01}"/>
+              </a:ext>
+            </a:extLst>
+          </p:cNvPr>
+          <p:cNvPicPr>
+            <a:picLocks noGrp="1" noChangeAspect="1"/>
+          </p:cNvPicPr>
+          <p:nvPr>
+            <p:ph sz="quarter" idx="1"/>
+          </p:nvPr>
+        </p:nvPicPr>
+        <p:blipFill>
+          <a:blip r:embed="rId2">
+            <a:extLst>
+              <a:ext uri="{28A0092B-C50C-407E-A947-70E740481C1C}">
+                <a14:useLocalDpi xmlns:a14="http://schemas.microsoft.com/office/drawing/2010/main" val="0"/>
+              </a:ext>
+            </a:extLst>
+          </a:blip>
+          <a:stretch>
+            <a:fillRect/>
+          </a:stretch>
+        </p:blipFill>
+        <p:spPr>
+          <a:xfrm>
+            <a:off x="457199" y="1940340"/>
+            <a:ext cx="7671887" cy="4308060"/>
+          </a:xfrm>
+        </p:spPr>
+      </p:pic>
+    </p:spTree>
+    <p:extLst>
+      <p:ext uri="{BB962C8B-B14F-4D97-AF65-F5344CB8AC3E}">
+        <p14:creationId xmlns:p14="http://schemas.microsoft.com/office/powerpoint/2010/main" val="1885105952"/>
+      </p:ext>
+    </p:extLst>
+  </p:cSld>
+  <p:clrMapOvr>
+    <a:masterClrMapping/>
+  </p:clrMapOvr>
+</p:sld>
+</file>
+
+<file path=ppt/slides/slide5.xml><?xml version="1.0" encoding="utf-8"?>
+<p:sld xmlns:a="http://schemas.openxmlformats.org/drawingml/2006/main" xmlns:r="http://schemas.openxmlformats.org/officeDocument/2006/relationships" xmlns:p="http://schemas.openxmlformats.org/presentationml/2006/main">
+  <p:cSld>
+    <p:spTree>
+      <p:nvGrpSpPr>
+        <p:cNvPr id="1" name=""/>
+        <p:cNvGrpSpPr/>
+        <p:nvPr/>
+      </p:nvGrpSpPr>
+      <p:grpSpPr>
+        <a:xfrm>
+          <a:off x="0" y="0"/>
+          <a:ext cx="0" cy="0"/>
+          <a:chOff x="0" y="0"/>
+          <a:chExt cx="0" cy="0"/>
+        </a:xfrm>
+      </p:grpSpPr>
+      <p:sp>
+        <p:nvSpPr>
+          <p:cNvPr id="3" name="Title 2"/>
+          <p:cNvSpPr>
+            <a:spLocks noGrp="1"/>
+          </p:cNvSpPr>
+          <p:nvPr>
+            <p:ph type="title"/>
+          </p:nvPr>
+        </p:nvSpPr>
+        <p:spPr/>
+        <p:txBody>
+          <a:bodyPr/>
+          <a:lstStyle/>
+          <a:p>
+            <a:r>
+              <a:t>Test Agenda</a:t>
+            </a:r>
+            <a:endParaRPr lang="en-US" dirty="0"/>
+          </a:p>
+        </p:txBody>
+      </p:sp>
+      <p:sp>
+        <p:nvSpPr>
+          <p:cNvPr id="2" name="Content Placeholder 1"/>
+          <p:cNvSpPr>
+            <a:spLocks noGrp="1"/>
+          </p:cNvSpPr>
+          <p:nvPr>
+            <p:ph sz="quarter" idx="1"/>
+          </p:nvPr>
+        </p:nvSpPr>
+        <p:spPr/>
+        <p:txBody>
+          <a:bodyPr>
+            <a:normAutofit fontScale="92500" lnSpcReduction="20000"/>
+          </a:bodyPr>
+          <a:lstStyle/>
+          <a:p>
+            <a:r>
+              <a:rPr lang="en-US" sz="2800" dirty="0"/>
+              <a:t>Application Overview</a:t>
+            </a:r>
+          </a:p>
+          <a:p>
+            <a:r>
+              <a:rPr lang="en-US" sz="2800" dirty="0"/>
+              <a:t>Tools &amp; Technologies Used</a:t>
+            </a:r>
+          </a:p>
+          <a:p>
+            <a:r>
+              <a:rPr lang="en-US" sz="2800" dirty="0"/>
+              <a:t>Test Plan</a:t>
+            </a:r>
+          </a:p>
+          <a:p>
+            <a:r>
+              <a:rPr lang="en-US" sz="2800" dirty="0"/>
+              <a:t>Test Data &amp; Test Cases</a:t>
+            </a:r>
+          </a:p>
+          <a:p>
+            <a:r>
+              <a:rPr lang="en-US" sz="2800" dirty="0"/>
+              <a:t>Automation in </a:t>
+            </a:r>
+            <a:r>
+              <a:rPr lang="en-US" sz="2800" dirty="0" err="1"/>
+              <a:t>NetBeans</a:t>
+            </a:r>
+            <a:endParaRPr lang="en-US" sz="2800" dirty="0"/>
+          </a:p>
+          <a:p>
+            <a:r>
+              <a:rPr lang="en-US" sz="2800" dirty="0"/>
+              <a:t>GIT Repository</a:t>
+            </a:r>
+          </a:p>
+          <a:p>
+            <a:r>
+              <a:rPr lang="en-US" sz="2800" dirty="0"/>
+              <a:t>Jenkins Implementation</a:t>
+            </a:r>
+          </a:p>
+          <a:p>
+            <a:r>
+              <a:rPr lang="en-US" sz="2800" dirty="0"/>
+              <a:t>Page Object</a:t>
+            </a:r>
+          </a:p>
+          <a:p>
+            <a:r>
+              <a:rPr lang="en-US" sz="2800" dirty="0"/>
+              <a:t>Draw.IO</a:t>
+            </a:r>
+          </a:p>
+          <a:p>
+            <a:r>
+              <a:rPr lang="en-US" sz="2800" dirty="0"/>
+              <a:t>Learning &amp; Challenges</a:t>
+            </a:r>
+          </a:p>
+          <a:p>
+            <a:r>
+              <a:rPr lang="en-US" sz="2800" dirty="0"/>
+              <a:t>Live Demo</a:t>
+            </a:r>
+          </a:p>
+          <a:p>
+            <a:r>
+              <a:rPr lang="en-US" sz="2800" dirty="0"/>
+              <a:t>Bug Report</a:t>
+            </a:r>
+          </a:p>
+          <a:p>
+            <a:pPr>
+              <a:buNone/>
+            </a:pPr>
+            <a:endParaRPr lang="en-US" sz="2800" dirty="0"/>
+          </a:p>
+        </p:txBody>
+      </p:sp>
+      <p:pic>
+        <p:nvPicPr>
+          <p:cNvPr id="4" name="Picture 3" descr="selenium.png">
+            <a:extLst>
+              <a:ext uri="{FF2B5EF4-FFF2-40B4-BE49-F238E27FC236}">
+                <a16:creationId xmlns:a16="http://schemas.microsoft.com/office/drawing/2014/main" id="{6DDF0AC6-E4DF-0A11-265C-459791263A10}"/>
+              </a:ext>
+            </a:extLst>
+          </p:cNvPr>
+          <p:cNvPicPr>
+            <a:picLocks noChangeAspect="1"/>
+          </p:cNvPicPr>
+          <p:nvPr/>
+        </p:nvPicPr>
+        <p:blipFill>
+          <a:blip r:embed="rId2"/>
+          <a:stretch>
+            <a:fillRect/>
+          </a:stretch>
+        </p:blipFill>
+        <p:spPr>
+          <a:xfrm>
+            <a:off x="5867400" y="609600"/>
+            <a:ext cx="1905000" cy="1481667"/>
+          </a:xfrm>
+          <a:prstGeom prst="rect">
+            <a:avLst/>
+          </a:prstGeom>
+        </p:spPr>
+      </p:pic>
+    </p:spTree>
+  </p:cSld>
+  <p:clrMapOvr>
+    <a:masterClrMapping/>
+  </p:clrMapOvr>
+</p:sld>
+</file>
+
+<file path=ppt/slides/slide6.xml><?xml version="1.0" encoding="utf-8"?>
 <p:sld xmlns:a="http://schemas.openxmlformats.org/drawingml/2006/main" xmlns:r="http://schemas.openxmlformats.org/officeDocument/2006/relationships" xmlns:p="http://schemas.openxmlformats.org/presentationml/2006/main">
   <p:cSld>
     <p:spTree>
@@ -8403,7 +11057,7 @@
 </p:sld>
 </file>
 
-<file path=ppt/slides/slide5.xml><?xml version="1.0" encoding="utf-8"?>
+<file path=ppt/slides/slide7.xml><?xml version="1.0" encoding="utf-8"?>
 <p:sld xmlns:a="http://schemas.openxmlformats.org/drawingml/2006/main" xmlns:r="http://schemas.openxmlformats.org/officeDocument/2006/relationships" xmlns:p="http://schemas.openxmlformats.org/presentationml/2006/main">
   <p:cSld>
     <p:spTree>
@@ -8436,10 +11090,9 @@
           <a:lstStyle/>
           <a:p>
             <a:r>
-              <a:rPr lang="en-US" dirty="0" smtClean="0"/>
+              <a:rPr lang="en-US" dirty="0"/>
               <a:t>Tools &amp; Technologies Used</a:t>
             </a:r>
-            <a:endParaRPr lang="en-US" dirty="0"/>
           </a:p>
         </p:txBody>
       </p:sp>
@@ -8467,7 +11120,7 @@
 </p:sld>
 </file>
 
-<file path=ppt/slides/slide6.xml><?xml version="1.0" encoding="utf-8"?>
+<file path=ppt/slides/slide8.xml><?xml version="1.0" encoding="utf-8"?>
 <p:sld xmlns:a="http://schemas.openxmlformats.org/drawingml/2006/main" xmlns:r="http://schemas.openxmlformats.org/officeDocument/2006/relationships" xmlns:p="http://schemas.openxmlformats.org/presentationml/2006/main">
   <p:cSld>
     <p:spTree>
@@ -8486,6 +11139,100 @@
       </p:grpSpPr>
       <p:sp>
         <p:nvSpPr>
+          <p:cNvPr id="2" name="Title 1">
+            <a:extLst>
+              <a:ext uri="{FF2B5EF4-FFF2-40B4-BE49-F238E27FC236}">
+                <a16:creationId xmlns:a16="http://schemas.microsoft.com/office/drawing/2014/main" id="{BA099AB8-0E93-DFF9-1A44-5D5A8FB0335E}"/>
+              </a:ext>
+            </a:extLst>
+          </p:cNvPr>
+          <p:cNvSpPr>
+            <a:spLocks noGrp="1"/>
+          </p:cNvSpPr>
+          <p:nvPr>
+            <p:ph type="title"/>
+          </p:nvPr>
+        </p:nvSpPr>
+        <p:spPr/>
+        <p:txBody>
+          <a:bodyPr/>
+          <a:lstStyle/>
+          <a:p>
+            <a:pPr algn="ctr"/>
+            <a:r>
+              <a:rPr lang="en-US" dirty="0"/>
+              <a:t>Test cases</a:t>
+            </a:r>
+          </a:p>
+        </p:txBody>
+      </p:sp>
+      <p:pic>
+        <p:nvPicPr>
+          <p:cNvPr id="5" name="Content Placeholder 4" descr="Graphical user interface, application, table&#10;&#10;Description automatically generated">
+            <a:extLst>
+              <a:ext uri="{FF2B5EF4-FFF2-40B4-BE49-F238E27FC236}">
+                <a16:creationId xmlns:a16="http://schemas.microsoft.com/office/drawing/2014/main" id="{EDD1A70D-2DA0-444A-97FF-A9D266788C55}"/>
+              </a:ext>
+            </a:extLst>
+          </p:cNvPr>
+          <p:cNvPicPr>
+            <a:picLocks noGrp="1" noChangeAspect="1"/>
+          </p:cNvPicPr>
+          <p:nvPr>
+            <p:ph sz="quarter" idx="1"/>
+          </p:nvPr>
+        </p:nvPicPr>
+        <p:blipFill>
+          <a:blip r:embed="rId2">
+            <a:extLst>
+              <a:ext uri="{28A0092B-C50C-407E-A947-70E740481C1C}">
+                <a14:useLocalDpi xmlns:a14="http://schemas.microsoft.com/office/drawing/2010/main" val="0"/>
+              </a:ext>
+            </a:extLst>
+          </a:blip>
+          <a:stretch>
+            <a:fillRect/>
+          </a:stretch>
+        </p:blipFill>
+        <p:spPr>
+          <a:xfrm>
+            <a:off x="76200" y="1417638"/>
+            <a:ext cx="7848600" cy="5440362"/>
+          </a:xfrm>
+        </p:spPr>
+      </p:pic>
+    </p:spTree>
+    <p:extLst>
+      <p:ext uri="{BB962C8B-B14F-4D97-AF65-F5344CB8AC3E}">
+        <p14:creationId xmlns:p14="http://schemas.microsoft.com/office/powerpoint/2010/main" val="479003935"/>
+      </p:ext>
+    </p:extLst>
+  </p:cSld>
+  <p:clrMapOvr>
+    <a:masterClrMapping/>
+  </p:clrMapOvr>
+</p:sld>
+</file>
+
+<file path=ppt/slides/slide9.xml><?xml version="1.0" encoding="utf-8"?>
+<p:sld xmlns:a="http://schemas.openxmlformats.org/drawingml/2006/main" xmlns:r="http://schemas.openxmlformats.org/officeDocument/2006/relationships" xmlns:p="http://schemas.openxmlformats.org/presentationml/2006/main">
+  <p:cSld>
+    <p:spTree>
+      <p:nvGrpSpPr>
+        <p:cNvPr id="1" name=""/>
+        <p:cNvGrpSpPr/>
+        <p:nvPr/>
+      </p:nvGrpSpPr>
+      <p:grpSpPr>
+        <a:xfrm>
+          <a:off x="0" y="0"/>
+          <a:ext cx="0" cy="0"/>
+          <a:chOff x="0" y="0"/>
+          <a:chExt cx="0" cy="0"/>
+        </a:xfrm>
+      </p:grpSpPr>
+      <p:sp>
+        <p:nvSpPr>
           <p:cNvPr id="2" name="Title 1"/>
           <p:cNvSpPr>
             <a:spLocks noGrp="1"/>
@@ -8499,11 +11246,11 @@
           <a:bodyPr/>
           <a:lstStyle/>
           <a:p>
+            <a:pPr algn="ctr"/>
             <a:r>
-              <a:rPr lang="en-US" dirty="0" smtClean="0"/>
+              <a:rPr lang="en-US" dirty="0"/>
               <a:t>CI/CD Pipeline</a:t>
             </a:r>
-            <a:endParaRPr lang="en-US" dirty="0"/>
           </a:p>
         </p:txBody>
       </p:sp>
@@ -8539,158 +11286,10 @@
 </p:sld>
 </file>
 
-<file path=ppt/slides/slide7.xml><?xml version="1.0" encoding="utf-8"?>
-<p:sld xmlns:a="http://schemas.openxmlformats.org/drawingml/2006/main" xmlns:r="http://schemas.openxmlformats.org/officeDocument/2006/relationships" xmlns:p="http://schemas.openxmlformats.org/presentationml/2006/main">
-  <p:cSld>
-    <p:spTree>
-      <p:nvGrpSpPr>
-        <p:cNvPr id="1" name=""/>
-        <p:cNvGrpSpPr/>
-        <p:nvPr/>
-      </p:nvGrpSpPr>
-      <p:grpSpPr>
-        <a:xfrm>
-          <a:off x="0" y="0"/>
-          <a:ext cx="0" cy="0"/>
-          <a:chOff x="0" y="0"/>
-          <a:chExt cx="0" cy="0"/>
-        </a:xfrm>
-      </p:grpSpPr>
-      <p:sp>
-        <p:nvSpPr>
-          <p:cNvPr id="2" name="Title 1"/>
-          <p:cNvSpPr>
-            <a:spLocks noGrp="1"/>
-          </p:cNvSpPr>
-          <p:nvPr>
-            <p:ph type="title"/>
-          </p:nvPr>
-        </p:nvSpPr>
-        <p:spPr/>
-        <p:txBody>
-          <a:bodyPr/>
-          <a:lstStyle/>
-          <a:p>
-            <a:r>
-              <a:rPr lang="en-US" dirty="0" smtClean="0"/>
-              <a:t>Automation in </a:t>
-            </a:r>
-            <a:r>
-              <a:rPr lang="en-US" dirty="0" err="1" smtClean="0"/>
-              <a:t>NetBeans</a:t>
-            </a:r>
-            <a:endParaRPr lang="en-US" dirty="0"/>
-          </a:p>
-        </p:txBody>
-      </p:sp>
-    </p:spTree>
-  </p:cSld>
-  <p:clrMapOvr>
-    <a:masterClrMapping/>
-  </p:clrMapOvr>
-</p:sld>
-</file>
-
-<file path=ppt/slides/slide8.xml><?xml version="1.0" encoding="utf-8"?>
-<p:sld xmlns:a="http://schemas.openxmlformats.org/drawingml/2006/main" xmlns:r="http://schemas.openxmlformats.org/officeDocument/2006/relationships" xmlns:p="http://schemas.openxmlformats.org/presentationml/2006/main">
-  <p:cSld>
-    <p:spTree>
-      <p:nvGrpSpPr>
-        <p:cNvPr id="1" name=""/>
-        <p:cNvGrpSpPr/>
-        <p:nvPr/>
-      </p:nvGrpSpPr>
-      <p:grpSpPr>
-        <a:xfrm>
-          <a:off x="0" y="0"/>
-          <a:ext cx="0" cy="0"/>
-          <a:chOff x="0" y="0"/>
-          <a:chExt cx="0" cy="0"/>
-        </a:xfrm>
-      </p:grpSpPr>
-      <p:sp>
-        <p:nvSpPr>
-          <p:cNvPr id="2" name="Title 1"/>
-          <p:cNvSpPr>
-            <a:spLocks noGrp="1"/>
-          </p:cNvSpPr>
-          <p:nvPr>
-            <p:ph type="title"/>
-          </p:nvPr>
-        </p:nvSpPr>
-        <p:spPr/>
-        <p:txBody>
-          <a:bodyPr/>
-          <a:lstStyle/>
-          <a:p>
-            <a:r>
-              <a:rPr lang="en-US" dirty="0" smtClean="0"/>
-              <a:t>GIT Repository</a:t>
-            </a:r>
-            <a:endParaRPr lang="en-US" dirty="0"/>
-          </a:p>
-        </p:txBody>
-      </p:sp>
-    </p:spTree>
-  </p:cSld>
-  <p:clrMapOvr>
-    <a:masterClrMapping/>
-  </p:clrMapOvr>
-</p:sld>
-</file>
-
-<file path=ppt/slides/slide9.xml><?xml version="1.0" encoding="utf-8"?>
-<p:sld xmlns:a="http://schemas.openxmlformats.org/drawingml/2006/main" xmlns:r="http://schemas.openxmlformats.org/officeDocument/2006/relationships" xmlns:p="http://schemas.openxmlformats.org/presentationml/2006/main">
-  <p:cSld>
-    <p:spTree>
-      <p:nvGrpSpPr>
-        <p:cNvPr id="1" name=""/>
-        <p:cNvGrpSpPr/>
-        <p:nvPr/>
-      </p:nvGrpSpPr>
-      <p:grpSpPr>
-        <a:xfrm>
-          <a:off x="0" y="0"/>
-          <a:ext cx="0" cy="0"/>
-          <a:chOff x="0" y="0"/>
-          <a:chExt cx="0" cy="0"/>
-        </a:xfrm>
-      </p:grpSpPr>
-      <p:sp>
-        <p:nvSpPr>
-          <p:cNvPr id="2" name="Title 1"/>
-          <p:cNvSpPr>
-            <a:spLocks noGrp="1"/>
-          </p:cNvSpPr>
-          <p:nvPr>
-            <p:ph type="title"/>
-          </p:nvPr>
-        </p:nvSpPr>
-        <p:spPr/>
-        <p:txBody>
-          <a:bodyPr/>
-          <a:lstStyle/>
-          <a:p>
-            <a:r>
-              <a:rPr lang="en-US" dirty="0" smtClean="0"/>
-              <a:t>Jenkins Implementation</a:t>
-            </a:r>
-            <a:endParaRPr lang="en-US" dirty="0"/>
-          </a:p>
-        </p:txBody>
-      </p:sp>
-    </p:spTree>
-  </p:cSld>
-  <p:clrMapOvr>
-    <a:masterClrMapping/>
-  </p:clrMapOvr>
-</p:sld>
-</file>
-
 <file path=ppt/theme/theme1.xml><?xml version="1.0" encoding="utf-8"?>
 <a:theme xmlns:a="http://schemas.openxmlformats.org/drawingml/2006/main" name="Oriel">
   <a:themeElements>
-    <a:clrScheme name="Oriel">
+    <a:clrScheme name="Blue Warm">
       <a:dk1>
         <a:sysClr val="windowText" lastClr="000000"/>
       </a:dk1>
@@ -8698,34 +11297,34 @@
         <a:sysClr val="window" lastClr="FFFFFF"/>
       </a:lt1>
       <a:dk2>
-        <a:srgbClr val="575F6D"/>
+        <a:srgbClr val="242852"/>
       </a:dk2>
       <a:lt2>
-        <a:srgbClr val="FFF39D"/>
+        <a:srgbClr val="ACCBF9"/>
       </a:lt2>
       <a:accent1>
-        <a:srgbClr val="FE8637"/>
+        <a:srgbClr val="4A66AC"/>
       </a:accent1>
       <a:accent2>
-        <a:srgbClr val="7598D9"/>
+        <a:srgbClr val="629DD1"/>
       </a:accent2>
       <a:accent3>
-        <a:srgbClr val="B32C16"/>
+        <a:srgbClr val="297FD5"/>
       </a:accent3>
       <a:accent4>
-        <a:srgbClr val="F5CD2D"/>
+        <a:srgbClr val="7F8FA9"/>
       </a:accent4>
       <a:accent5>
-        <a:srgbClr val="AEBAD5"/>
+        <a:srgbClr val="5AA2AE"/>
       </a:accent5>
       <a:accent6>
-        <a:srgbClr val="777C84"/>
+        <a:srgbClr val="9D90A0"/>
       </a:accent6>
       <a:hlink>
-        <a:srgbClr val="D2611C"/>
+        <a:srgbClr val="9454C3"/>
       </a:hlink>
       <a:folHlink>
-        <a:srgbClr val="3B435B"/>
+        <a:srgbClr val="3EBBF0"/>
       </a:folHlink>
     </a:clrScheme>
     <a:fontScheme name="Oriel">
